--- a/ch07/第7章 多态.pptx
+++ b/ch07/第7章 多态.pptx
@@ -5,7 +5,7 @@
     <p:sldMasterId id="2147484205" r:id="rId1"/>
   </p:sldMasterIdLst>
   <p:notesMasterIdLst>
-    <p:notesMasterId r:id="rId12"/>
+    <p:notesMasterId r:id="rId13"/>
   </p:notesMasterIdLst>
   <p:sldIdLst>
     <p:sldId id="256" r:id="rId2"/>
@@ -15,11 +15,12 @@
     <p:sldId id="683" r:id="rId6"/>
     <p:sldId id="684" r:id="rId7"/>
     <p:sldId id="685" r:id="rId8"/>
-    <p:sldId id="686" r:id="rId9"/>
-    <p:sldId id="680" r:id="rId10"/>
-    <p:sldId id="618" r:id="rId11"/>
+    <p:sldId id="687" r:id="rId9"/>
+    <p:sldId id="686" r:id="rId10"/>
+    <p:sldId id="680" r:id="rId11"/>
+    <p:sldId id="618" r:id="rId12"/>
   </p:sldIdLst>
-  <p:sldSz cx="9144000" cy="6858000" type="screen4x3"/>
+  <p:sldSz cx="12192000" cy="6858000"/>
   <p:notesSz cx="6794500" cy="9918700"/>
   <p:defaultTextStyle>
     <a:defPPr>
@@ -154,12 +155,12 @@
   <p:extLst>
     <p:ext uri="{EFAFB233-063F-42B5-8137-9DF3F51BA10A}">
       <p15:sldGuideLst xmlns:p15="http://schemas.microsoft.com/office/powerpoint/2012/main">
-        <p15:guide id="1" orient="horz" pos="2180">
+        <p15:guide id="1" orient="horz" pos="2180" userDrawn="1">
           <p15:clr>
             <a:srgbClr val="A4A3A4"/>
           </p15:clr>
         </p15:guide>
-        <p15:guide id="2" pos="2812">
+        <p15:guide id="2" pos="3749" userDrawn="1">
           <p15:clr>
             <a:srgbClr val="A4A3A4"/>
           </p15:clr>
@@ -345,8 +346,8 @@
         </p:nvSpPr>
         <p:spPr bwMode="auto">
           <a:xfrm>
-            <a:off x="917575" y="744538"/>
-            <a:ext cx="4959350" cy="3719512"/>
+            <a:off x="92075" y="744538"/>
+            <a:ext cx="6610350" cy="3719512"/>
           </a:xfrm>
           <a:prstGeom prst="rect">
             <a:avLst/>
@@ -768,6 +769,10 @@
           </p:nvPr>
         </p:nvSpPr>
         <p:spPr>
+          <a:xfrm>
+            <a:off x="92075" y="744538"/>
+            <a:ext cx="6610350" cy="3719512"/>
+          </a:xfrm>
           <a:ln/>
         </p:spPr>
       </p:sp>
@@ -1005,6 +1010,10 @@
           </p:nvPr>
         </p:nvSpPr>
         <p:spPr>
+          <a:xfrm>
+            <a:off x="92075" y="744538"/>
+            <a:ext cx="6610350" cy="3719512"/>
+          </a:xfrm>
           <a:ln/>
         </p:spPr>
       </p:sp>
@@ -1045,7 +1054,7 @@
           <a:bodyPr/>
           <a:lstStyle/>
           <a:p>
-            <a:endParaRPr lang="zh-CN" altLang="en-US" smtClean="0">
+            <a:endParaRPr lang="zh-CN" altLang="en-US" dirty="0" smtClean="0">
               <a:latin typeface="Arial" pitchFamily="34" charset="0"/>
             </a:endParaRPr>
           </a:p>
@@ -1244,6 +1253,10 @@
           </p:nvPr>
         </p:nvSpPr>
         <p:spPr>
+          <a:xfrm>
+            <a:off x="92075" y="744538"/>
+            <a:ext cx="6610350" cy="3719512"/>
+          </a:xfrm>
           <a:ln/>
         </p:spPr>
       </p:sp>
@@ -1284,7 +1297,7 @@
           <a:bodyPr/>
           <a:lstStyle/>
           <a:p>
-            <a:endParaRPr lang="zh-CN" altLang="en-US" smtClean="0">
+            <a:endParaRPr lang="zh-CN" altLang="en-US" dirty="0" smtClean="0">
               <a:latin typeface="Arial" pitchFamily="34" charset="0"/>
             </a:endParaRPr>
           </a:p>
@@ -1483,6 +1496,10 @@
           </p:nvPr>
         </p:nvSpPr>
         <p:spPr>
+          <a:xfrm>
+            <a:off x="92075" y="744538"/>
+            <a:ext cx="6610350" cy="3719512"/>
+          </a:xfrm>
           <a:ln/>
         </p:spPr>
       </p:sp>
@@ -1758,6 +1775,10 @@
           </p:nvPr>
         </p:nvSpPr>
         <p:spPr>
+          <a:xfrm>
+            <a:off x="92075" y="744538"/>
+            <a:ext cx="6610350" cy="3719512"/>
+          </a:xfrm>
           <a:ln/>
         </p:spPr>
       </p:sp>
@@ -1997,6 +2018,10 @@
           </p:nvPr>
         </p:nvSpPr>
         <p:spPr>
+          <a:xfrm>
+            <a:off x="92075" y="744538"/>
+            <a:ext cx="6610350" cy="3719512"/>
+          </a:xfrm>
           <a:ln/>
         </p:spPr>
       </p:sp>
@@ -2183,7 +2208,7 @@
                 </a:solidFill>
               </a:rPr>
               <a:pPr eaLnBrk="1" hangingPunct="1"/>
-              <a:t>9</a:t>
+              <a:t>10</a:t>
             </a:fld>
             <a:endParaRPr lang="pt-PT" altLang="zh-CN" sz="1200" smtClean="0">
               <a:solidFill>
@@ -2265,8 +2290,8 @@
         </p:nvSpPr>
         <p:spPr>
           <a:xfrm>
-            <a:off x="685800" y="2130425"/>
-            <a:ext cx="7772400" cy="1470025"/>
+            <a:off x="914400" y="2130426"/>
+            <a:ext cx="10363200" cy="1470025"/>
           </a:xfrm>
           <a:prstGeom prst="rect">
             <a:avLst/>
@@ -2314,8 +2339,8 @@
         </p:nvSpPr>
         <p:spPr>
           <a:xfrm>
-            <a:off x="1371600" y="3886200"/>
-            <a:ext cx="6400800" cy="1752600"/>
+            <a:off x="1828800" y="3886200"/>
+            <a:ext cx="8534400" cy="1752600"/>
           </a:xfrm>
           <a:prstGeom prst="rect">
             <a:avLst/>
@@ -2397,8 +2422,8 @@
         </p:nvSpPr>
         <p:spPr>
           <a:xfrm>
-            <a:off x="457200" y="6245225"/>
-            <a:ext cx="2133600" cy="476250"/>
+            <a:off x="609600" y="6245225"/>
+            <a:ext cx="2844800" cy="476250"/>
           </a:xfrm>
           <a:prstGeom prst="rect">
             <a:avLst/>
@@ -2460,8 +2485,8 @@
         </p:nvSpPr>
         <p:spPr>
           <a:xfrm>
-            <a:off x="6553200" y="6245225"/>
-            <a:ext cx="2133600" cy="476250"/>
+            <a:off x="8737600" y="6245225"/>
+            <a:ext cx="2844800" cy="476250"/>
           </a:xfrm>
           <a:prstGeom prst="rect">
             <a:avLst/>
@@ -2517,8 +2542,8 @@
         </p:blipFill>
         <p:spPr bwMode="auto">
           <a:xfrm>
-            <a:off x="323528" y="188640"/>
-            <a:ext cx="1104900" cy="2017712"/>
+            <a:off x="431371" y="188640"/>
+            <a:ext cx="1473200" cy="2017712"/>
           </a:xfrm>
           <a:prstGeom prst="rect">
             <a:avLst/>
@@ -2597,8 +2622,8 @@
         </p:nvSpPr>
         <p:spPr>
           <a:xfrm>
-            <a:off x="457200" y="274638"/>
-            <a:ext cx="8229600" cy="742094"/>
+            <a:off x="609600" y="274638"/>
+            <a:ext cx="10972800" cy="742094"/>
           </a:xfrm>
           <a:prstGeom prst="rect">
             <a:avLst/>
@@ -2640,8 +2665,8 @@
         </p:nvSpPr>
         <p:spPr>
           <a:xfrm>
-            <a:off x="457200" y="1160748"/>
-            <a:ext cx="8229600" cy="4965415"/>
+            <a:off x="609600" y="1160749"/>
+            <a:ext cx="10972800" cy="4965415"/>
           </a:xfrm>
           <a:prstGeom prst="rect">
             <a:avLst/>
@@ -2771,8 +2796,8 @@
         </p:nvSpPr>
         <p:spPr>
           <a:xfrm>
-            <a:off x="7272300" y="6263751"/>
-            <a:ext cx="1512168" cy="369332"/>
+            <a:off x="9696400" y="6263751"/>
+            <a:ext cx="2016224" cy="369332"/>
           </a:xfrm>
           <a:prstGeom prst="rect">
             <a:avLst/>
@@ -2864,8 +2889,8 @@
         </p:nvSpPr>
         <p:spPr>
           <a:xfrm>
-            <a:off x="457200" y="274638"/>
-            <a:ext cx="8229600" cy="706090"/>
+            <a:off x="609600" y="274638"/>
+            <a:ext cx="10972800" cy="706090"/>
           </a:xfrm>
           <a:prstGeom prst="rect">
             <a:avLst/>
@@ -2907,8 +2932,8 @@
         </p:nvSpPr>
         <p:spPr>
           <a:xfrm>
-            <a:off x="457200" y="1088740"/>
-            <a:ext cx="4038600" cy="5037423"/>
+            <a:off x="609600" y="1088740"/>
+            <a:ext cx="5384800" cy="5037423"/>
           </a:xfrm>
           <a:prstGeom prst="rect">
             <a:avLst/>
@@ -2994,8 +3019,8 @@
         </p:nvSpPr>
         <p:spPr>
           <a:xfrm>
-            <a:off x="4648200" y="1088740"/>
-            <a:ext cx="4038600" cy="5037423"/>
+            <a:off x="6197600" y="1088740"/>
+            <a:ext cx="5384800" cy="5037423"/>
           </a:xfrm>
           <a:prstGeom prst="rect">
             <a:avLst/>
@@ -3081,8 +3106,8 @@
         </p:nvSpPr>
         <p:spPr>
           <a:xfrm>
-            <a:off x="457200" y="6245225"/>
-            <a:ext cx="2133600" cy="476250"/>
+            <a:off x="609600" y="6245225"/>
+            <a:ext cx="2844800" cy="476250"/>
           </a:xfrm>
           <a:prstGeom prst="rect">
             <a:avLst/>
@@ -3144,8 +3169,8 @@
         </p:nvSpPr>
         <p:spPr>
           <a:xfrm>
-            <a:off x="6553200" y="6245225"/>
-            <a:ext cx="2133600" cy="476250"/>
+            <a:off x="8737600" y="6245225"/>
+            <a:ext cx="2844800" cy="476250"/>
           </a:xfrm>
           <a:prstGeom prst="rect">
             <a:avLst/>
@@ -3186,8 +3211,8 @@
         </p:nvSpPr>
         <p:spPr>
           <a:xfrm>
-            <a:off x="7272300" y="6263751"/>
-            <a:ext cx="1512168" cy="369332"/>
+            <a:off x="9696400" y="6263751"/>
+            <a:ext cx="2016224" cy="369332"/>
           </a:xfrm>
           <a:prstGeom prst="rect">
             <a:avLst/>
@@ -3238,8 +3263,8 @@
         </p:nvSpPr>
         <p:spPr>
           <a:xfrm>
-            <a:off x="287524" y="6231485"/>
-            <a:ext cx="1512168" cy="369332"/>
+            <a:off x="383365" y="6231485"/>
+            <a:ext cx="2016224" cy="369332"/>
           </a:xfrm>
           <a:prstGeom prst="rect">
             <a:avLst/>
@@ -3314,8 +3339,8 @@
         </p:nvSpPr>
         <p:spPr>
           <a:xfrm>
-            <a:off x="457200" y="6245225"/>
-            <a:ext cx="2133600" cy="476250"/>
+            <a:off x="609600" y="6245225"/>
+            <a:ext cx="2844800" cy="476250"/>
           </a:xfrm>
           <a:prstGeom prst="rect">
             <a:avLst/>
@@ -3377,8 +3402,8 @@
         </p:nvSpPr>
         <p:spPr>
           <a:xfrm>
-            <a:off x="6553200" y="6245225"/>
-            <a:ext cx="2133600" cy="476250"/>
+            <a:off x="8737600" y="6245225"/>
+            <a:ext cx="2844800" cy="476250"/>
           </a:xfrm>
           <a:prstGeom prst="rect">
             <a:avLst/>
@@ -3419,8 +3444,8 @@
         </p:nvSpPr>
         <p:spPr>
           <a:xfrm>
-            <a:off x="7272300" y="6263751"/>
-            <a:ext cx="1512168" cy="369332"/>
+            <a:off x="9696400" y="6263751"/>
+            <a:ext cx="2016224" cy="369332"/>
           </a:xfrm>
           <a:prstGeom prst="rect">
             <a:avLst/>
@@ -3471,8 +3496,8 @@
         </p:nvSpPr>
         <p:spPr>
           <a:xfrm>
-            <a:off x="287524" y="6231485"/>
-            <a:ext cx="1512168" cy="369332"/>
+            <a:off x="383365" y="6231485"/>
+            <a:ext cx="2016224" cy="369332"/>
           </a:xfrm>
           <a:prstGeom prst="rect">
             <a:avLst/>
@@ -3566,8 +3591,8 @@
         </p:blipFill>
         <p:spPr bwMode="auto">
           <a:xfrm>
-            <a:off x="0" y="0"/>
-            <a:ext cx="9144000" cy="1000125"/>
+            <a:off x="0" y="1"/>
+            <a:ext cx="12192000" cy="1000125"/>
           </a:xfrm>
           <a:prstGeom prst="rect">
             <a:avLst/>
@@ -3609,8 +3634,8 @@
         </p:nvSpPr>
         <p:spPr bwMode="auto">
           <a:xfrm>
-            <a:off x="3124200" y="6245225"/>
-            <a:ext cx="2895600" cy="476250"/>
+            <a:off x="4165600" y="6245225"/>
+            <a:ext cx="3860800" cy="476250"/>
           </a:xfrm>
           <a:prstGeom prst="rect">
             <a:avLst/>
@@ -3689,8 +3714,8 @@
         </p:blipFill>
         <p:spPr bwMode="auto">
           <a:xfrm>
-            <a:off x="0" y="0"/>
-            <a:ext cx="2916238" cy="1000125"/>
+            <a:off x="0" y="1"/>
+            <a:ext cx="3888317" cy="1000125"/>
           </a:xfrm>
           <a:prstGeom prst="rect">
             <a:avLst/>
@@ -4204,14 +4229,8 @@
           <a:lstStyle/>
           <a:p>
             <a:r>
-              <a:rPr lang="zh-CN" altLang="en-US" sz="4000" b="1" dirty="0" smtClean="0">
-                <a:solidFill>
-                  <a:srgbClr val="A50021"/>
-                </a:solidFill>
-                <a:latin typeface="华文新魏" pitchFamily="2" charset="-122"/>
-                <a:ea typeface="华文新魏" pitchFamily="2" charset="-122"/>
-              </a:rPr>
-              <a:t>多态</a:t>
+              <a:rPr lang="zh-CN" altLang="en-US" sz="4000" dirty="0" smtClean="0"/>
+              <a:t>第七章  多态</a:t>
             </a:r>
             <a:r>
               <a:rPr lang="zh-CN" altLang="en-US" dirty="0" smtClean="0">
@@ -4269,20 +4288,7 @@
           <a:bodyPr/>
           <a:lstStyle/>
           <a:p>
-            <a:pPr marL="0" indent="0" algn="ctr" eaLnBrk="1" hangingPunct="1">
-              <a:spcBef>
-                <a:spcPct val="0"/>
-              </a:spcBef>
-              <a:buFontTx/>
-              <a:buNone/>
-            </a:pPr>
-            <a:r>
-              <a:rPr lang="zh-CN" altLang="en-US" sz="2400" b="1" dirty="0" smtClean="0">
-                <a:latin typeface="华文新魏" pitchFamily="2" charset="-122"/>
-                <a:ea typeface="华文新魏" pitchFamily="2" charset="-122"/>
-              </a:rPr>
-              <a:t>李玮玮</a:t>
-            </a:r>
+            <a:endParaRPr lang="zh-CN" altLang="en-US" dirty="0"/>
           </a:p>
         </p:txBody>
       </p:sp>
@@ -4320,6 +4326,114 @@
       </p:grpSpPr>
       <p:sp>
         <p:nvSpPr>
+          <p:cNvPr id="7170" name="标题 1"/>
+          <p:cNvSpPr>
+            <a:spLocks noGrp="1"/>
+          </p:cNvSpPr>
+          <p:nvPr>
+            <p:ph type="title"/>
+          </p:nvPr>
+        </p:nvSpPr>
+        <p:spPr/>
+        <p:txBody>
+          <a:bodyPr/>
+          <a:lstStyle/>
+          <a:p>
+            <a:r>
+              <a:rPr lang="zh-CN" altLang="en-US" smtClean="0"/>
+              <a:t>总结　　　　　　　　　</a:t>
+            </a:r>
+            <a:endParaRPr lang="zh-CN" altLang="en-US" dirty="0" smtClean="0"/>
+          </a:p>
+        </p:txBody>
+      </p:sp>
+      <p:sp>
+        <p:nvSpPr>
+          <p:cNvPr id="7171" name="内容占位符 2"/>
+          <p:cNvSpPr>
+            <a:spLocks noGrp="1"/>
+          </p:cNvSpPr>
+          <p:nvPr>
+            <p:ph idx="1"/>
+          </p:nvPr>
+        </p:nvSpPr>
+        <p:spPr/>
+        <p:txBody>
+          <a:bodyPr/>
+          <a:lstStyle/>
+          <a:p>
+            <a:pPr>
+              <a:lnSpc>
+                <a:spcPct val="150000"/>
+              </a:lnSpc>
+            </a:pPr>
+            <a:r>
+              <a:rPr lang="zh-CN" altLang="en-US" dirty="0" smtClean="0"/>
+              <a:t>多态的概念</a:t>
+            </a:r>
+            <a:endParaRPr lang="en-US" altLang="zh-CN" dirty="0" smtClean="0"/>
+          </a:p>
+          <a:p>
+            <a:pPr>
+              <a:lnSpc>
+                <a:spcPct val="150000"/>
+              </a:lnSpc>
+            </a:pPr>
+            <a:r>
+              <a:rPr lang="zh-CN" altLang="en-US" dirty="0" smtClean="0"/>
+              <a:t>多态的实现</a:t>
+            </a:r>
+            <a:endParaRPr lang="en-US" altLang="zh-CN" dirty="0" smtClean="0"/>
+          </a:p>
+          <a:p>
+            <a:pPr>
+              <a:lnSpc>
+                <a:spcPct val="150000"/>
+              </a:lnSpc>
+            </a:pPr>
+            <a:endParaRPr lang="en-US" altLang="zh-CN" dirty="0" smtClean="0"/>
+          </a:p>
+        </p:txBody>
+      </p:sp>
+    </p:spTree>
+    <p:extLst>
+      <p:ext uri="{BB962C8B-B14F-4D97-AF65-F5344CB8AC3E}">
+        <p14:creationId xmlns:p14="http://schemas.microsoft.com/office/powerpoint/2010/main" val="3654594802"/>
+      </p:ext>
+    </p:extLst>
+  </p:cSld>
+  <p:clrMapOvr>
+    <a:masterClrMapping/>
+  </p:clrMapOvr>
+  <p:timing>
+    <p:tnLst>
+      <p:par>
+        <p:cTn id="1" dur="indefinite" restart="never" nodeType="tmRoot"/>
+      </p:par>
+    </p:tnLst>
+  </p:timing>
+</p:sld>
+</file>
+
+<file path=ppt/slides/slide11.xml><?xml version="1.0" encoding="utf-8"?>
+<p:sld xmlns:a="http://schemas.openxmlformats.org/drawingml/2006/main" xmlns:r="http://schemas.openxmlformats.org/officeDocument/2006/relationships" xmlns:p="http://schemas.openxmlformats.org/presentationml/2006/main">
+  <p:cSld>
+    <p:spTree>
+      <p:nvGrpSpPr>
+        <p:cNvPr id="1" name=""/>
+        <p:cNvGrpSpPr/>
+        <p:nvPr/>
+      </p:nvGrpSpPr>
+      <p:grpSpPr>
+        <a:xfrm>
+          <a:off x="0" y="0"/>
+          <a:ext cx="0" cy="0"/>
+          <a:chOff x="0" y="0"/>
+          <a:chExt cx="0" cy="0"/>
+        </a:xfrm>
+      </p:grpSpPr>
+      <p:sp>
+        <p:nvSpPr>
           <p:cNvPr id="16386" name="Rectangle 6"/>
           <p:cNvSpPr>
             <a:spLocks noGrp="1" noChangeArrowheads="1"/>
@@ -4330,7 +4444,7 @@
         </p:nvSpPr>
         <p:spPr bwMode="auto">
           <a:xfrm>
-            <a:off x="899592" y="2996952"/>
+            <a:off x="2423593" y="2996952"/>
             <a:ext cx="7362825" cy="582612"/>
           </a:xfrm>
           <a:prstGeom prst="rect">
@@ -4363,7 +4477,7 @@
           <a:p>
             <a:pPr eaLnBrk="1" hangingPunct="1"/>
             <a:r>
-              <a:rPr lang="en-US" altLang="zh-CN" sz="5400" b="1" smtClean="0">
+              <a:rPr lang="en-US" altLang="zh-CN" sz="5400" b="1">
                 <a:solidFill>
                   <a:srgbClr val="C00000"/>
                 </a:solidFill>
@@ -4371,7 +4485,7 @@
               </a:rPr>
               <a:t>Thank You</a:t>
             </a:r>
-            <a:endParaRPr lang="zh-CN" altLang="en-US" sz="5400" b="1" smtClean="0">
+            <a:endParaRPr lang="zh-CN" altLang="en-US" sz="5400" b="1">
               <a:solidFill>
                 <a:srgbClr val="C00000"/>
               </a:solidFill>
@@ -4563,11 +4677,11 @@
           <a:bodyPr/>
           <a:lstStyle/>
           <a:p>
-            <a:r>
-              <a:rPr lang="zh-CN" altLang="en-US" smtClean="0"/>
+            <a:pPr algn="ctr"/>
+            <a:r>
+              <a:rPr lang="zh-CN" altLang="en-US" dirty="0" smtClean="0"/>
               <a:t>讲授思路　　　　　　　　　</a:t>
             </a:r>
-            <a:endParaRPr lang="zh-CN" altLang="en-US" dirty="0" smtClean="0"/>
           </a:p>
         </p:txBody>
       </p:sp>
@@ -4581,24 +4695,39 @@
             <p:ph idx="1"/>
           </p:nvPr>
         </p:nvSpPr>
-        <p:spPr/>
+        <p:spPr>
+          <a:xfrm>
+            <a:off x="4799856" y="1160749"/>
+            <a:ext cx="2952328" cy="4965415"/>
+          </a:xfrm>
+        </p:spPr>
         <p:txBody>
           <a:bodyPr/>
           <a:lstStyle/>
           <a:p>
-            <a:r>
-              <a:rPr lang="zh-CN" altLang="en-US" smtClean="0">
+            <a:pPr>
+              <a:lnSpc>
+                <a:spcPct val="150000"/>
+              </a:lnSpc>
+            </a:pPr>
+            <a:r>
+              <a:rPr lang="zh-CN" altLang="en-US" dirty="0" smtClean="0">
                 <a:sym typeface="Arial" charset="0"/>
               </a:rPr>
               <a:t>多态的概念</a:t>
             </a:r>
-            <a:endParaRPr lang="en-US" altLang="zh-CN" smtClean="0">
+            <a:endParaRPr lang="en-US" altLang="zh-CN" dirty="0" smtClean="0">
               <a:sym typeface="Arial" charset="0"/>
             </a:endParaRPr>
           </a:p>
           <a:p>
-            <a:r>
-              <a:rPr lang="zh-CN" altLang="en-US" smtClean="0">
+            <a:pPr>
+              <a:lnSpc>
+                <a:spcPct val="150000"/>
+              </a:lnSpc>
+            </a:pPr>
+            <a:r>
+              <a:rPr lang="zh-CN" altLang="en-US" dirty="0" smtClean="0">
                 <a:sym typeface="Arial" charset="0"/>
               </a:rPr>
               <a:t>多态的实现</a:t>
@@ -4678,6 +4807,11 @@
           <a:bodyPr/>
           <a:lstStyle/>
           <a:p>
+            <a:pPr>
+              <a:lnSpc>
+                <a:spcPct val="150000"/>
+              </a:lnSpc>
+            </a:pPr>
             <a:r>
               <a:rPr lang="zh-CN" altLang="en-US" dirty="0" smtClean="0"/>
               <a:t>多态：发送消息给某个对象，让该对象自行决定响应何种行为。</a:t>
@@ -4685,6 +4819,11 @@
             <a:endParaRPr lang="en-US" altLang="zh-CN" dirty="0" smtClean="0"/>
           </a:p>
           <a:p>
+            <a:pPr>
+              <a:lnSpc>
+                <a:spcPct val="150000"/>
+              </a:lnSpc>
+            </a:pPr>
             <a:r>
               <a:rPr lang="zh-CN" altLang="en-US" dirty="0" smtClean="0"/>
               <a:t>多态是通过方法的重载、重写实现的，要了解</a:t>
@@ -4700,7 +4839,11 @@
             <a:endParaRPr lang="en-US" altLang="zh-CN" dirty="0" smtClean="0"/>
           </a:p>
           <a:p>
-            <a:pPr lvl="1"/>
+            <a:pPr lvl="1">
+              <a:lnSpc>
+                <a:spcPct val="150000"/>
+              </a:lnSpc>
+            </a:pPr>
             <a:r>
               <a:rPr lang="zh-CN" altLang="en-US" dirty="0" smtClean="0"/>
               <a:t>定义了一个子类</a:t>
@@ -4724,7 +4867,11 @@
             <a:endParaRPr lang="en-US" altLang="zh-CN" dirty="0" smtClean="0"/>
           </a:p>
           <a:p>
-            <a:pPr lvl="2"/>
+            <a:pPr lvl="2">
+              <a:lnSpc>
+                <a:spcPct val="150000"/>
+              </a:lnSpc>
+            </a:pPr>
             <a:r>
               <a:rPr lang="zh-CN" altLang="en-US" dirty="0" smtClean="0"/>
               <a:t>通过</a:t>
@@ -4756,7 +4903,11 @@
             <a:endParaRPr lang="en-US" altLang="zh-CN" dirty="0" smtClean="0"/>
           </a:p>
           <a:p>
-            <a:pPr lvl="2"/>
+            <a:pPr lvl="2">
+              <a:lnSpc>
+                <a:spcPct val="150000"/>
+              </a:lnSpc>
+            </a:pPr>
             <a:r>
               <a:rPr lang="zh-CN" altLang="en-US" dirty="0" smtClean="0"/>
               <a:t>通过</a:t>
@@ -4804,7 +4955,11 @@
             <a:endParaRPr lang="en-US" altLang="zh-CN" dirty="0" smtClean="0"/>
           </a:p>
           <a:p>
-            <a:pPr lvl="1"/>
+            <a:pPr lvl="1">
+              <a:lnSpc>
+                <a:spcPct val="150000"/>
+              </a:lnSpc>
+            </a:pPr>
             <a:r>
               <a:rPr lang="en-US" altLang="zh-CN" dirty="0" smtClean="0"/>
               <a:t>“</a:t>
@@ -5287,7 +5442,62 @@
       </p:grpSpPr>
       <p:sp>
         <p:nvSpPr>
-          <p:cNvPr id="4" name="Rectangle 4"/>
+          <p:cNvPr id="15362" name="标题 1"/>
+          <p:cNvSpPr>
+            <a:spLocks noGrp="1"/>
+          </p:cNvSpPr>
+          <p:nvPr>
+            <p:ph type="title"/>
+          </p:nvPr>
+        </p:nvSpPr>
+        <p:spPr/>
+        <p:txBody>
+          <a:bodyPr/>
+          <a:lstStyle/>
+          <a:p>
+            <a:r>
+              <a:rPr lang="zh-CN" altLang="en-US" smtClean="0"/>
+              <a:t>多态的实现</a:t>
+            </a:r>
+          </a:p>
+        </p:txBody>
+      </p:sp>
+      <p:sp>
+        <p:nvSpPr>
+          <p:cNvPr id="15363" name="内容占位符 1"/>
+          <p:cNvSpPr>
+            <a:spLocks noGrp="1"/>
+          </p:cNvSpPr>
+          <p:nvPr>
+            <p:ph idx="1"/>
+          </p:nvPr>
+        </p:nvSpPr>
+        <p:spPr>
+          <a:xfrm>
+            <a:off x="609600" y="1160750"/>
+            <a:ext cx="10972800" cy="1518460"/>
+          </a:xfrm>
+        </p:spPr>
+        <p:txBody>
+          <a:bodyPr/>
+          <a:lstStyle/>
+          <a:p>
+            <a:pPr>
+              <a:lnSpc>
+                <a:spcPct val="150000"/>
+              </a:lnSpc>
+            </a:pPr>
+            <a:r>
+              <a:rPr lang="zh-CN" altLang="en-US" dirty="0" smtClean="0"/>
+              <a:t>通过将子类对象赋值给父类变量来实现动态方法调用。 </a:t>
+            </a:r>
+            <a:endParaRPr lang="en-US" altLang="zh-CN" dirty="0" smtClean="0"/>
+          </a:p>
+        </p:txBody>
+      </p:sp>
+      <p:sp>
+        <p:nvSpPr>
+          <p:cNvPr id="7" name="Rectangle 4"/>
           <p:cNvSpPr txBox="1">
             <a:spLocks noChangeArrowheads="1"/>
           </p:cNvSpPr>
@@ -5295,7 +5505,7 @@
         </p:nvSpPr>
         <p:spPr bwMode="auto">
           <a:xfrm>
-            <a:off x="1349375" y="2133600"/>
+            <a:off x="119062" y="1844824"/>
             <a:ext cx="5976938" cy="4591050"/>
           </a:xfrm>
           <a:prstGeom prst="rect">
@@ -5460,53 +5670,49 @@
           </a:lstStyle>
           <a:p>
             <a:pPr marL="0" indent="0">
-              <a:buFontTx/>
               <a:buNone/>
               <a:defRPr/>
             </a:pPr>
             <a:r>
-              <a:rPr lang="en-US" altLang="zh-CN" sz="1800" kern="0" dirty="0" smtClean="0"/>
+              <a:rPr lang="en-US" altLang="zh-CN" sz="1800" kern="0" dirty="0"/>
               <a:t>class Person{</a:t>
             </a:r>
           </a:p>
           <a:p>
             <a:pPr marL="457200" lvl="1" indent="0">
-              <a:buFontTx/>
               <a:buNone/>
               <a:defRPr/>
             </a:pPr>
             <a:r>
-              <a:rPr lang="en-US" altLang="zh-CN" sz="1800" kern="0" dirty="0" smtClean="0"/>
+              <a:rPr lang="en-US" altLang="zh-CN" sz="1800" kern="0" dirty="0"/>
               <a:t>private String name;</a:t>
             </a:r>
           </a:p>
           <a:p>
             <a:pPr marL="457200" lvl="1" indent="0">
-              <a:buFontTx/>
               <a:buNone/>
               <a:defRPr/>
             </a:pPr>
             <a:r>
-              <a:rPr lang="en-US" altLang="zh-CN" sz="1800" kern="0" dirty="0" smtClean="0"/>
+              <a:rPr lang="en-US" altLang="zh-CN" sz="1800" kern="0" dirty="0"/>
               <a:t>public  void display() { </a:t>
             </a:r>
           </a:p>
           <a:p>
             <a:pPr marL="457200" lvl="1" indent="0">
-              <a:buFontTx/>
               <a:buNone/>
               <a:defRPr/>
             </a:pPr>
             <a:r>
-              <a:rPr lang="en-US" altLang="zh-CN" sz="1800" kern="0" dirty="0" smtClean="0"/>
+              <a:rPr lang="en-US" altLang="zh-CN" sz="1800" kern="0" dirty="0"/>
               <a:t>    </a:t>
             </a:r>
             <a:r>
-              <a:rPr lang="en-US" altLang="zh-CN" sz="1800" kern="0" dirty="0" err="1" smtClean="0"/>
+              <a:rPr lang="en-US" altLang="zh-CN" sz="1800" kern="0" dirty="0" err="1"/>
               <a:t>System.out.println</a:t>
             </a:r>
             <a:r>
-              <a:rPr lang="en-US" altLang="zh-CN" sz="1800" kern="0" dirty="0" smtClean="0"/>
+              <a:rPr lang="en-US" altLang="zh-CN" sz="1800" kern="0" dirty="0"/>
               <a:t>(</a:t>
             </a:r>
             <a:r>
@@ -5514,7 +5720,7 @@
               <a:t>"</a:t>
             </a:r>
             <a:r>
-              <a:rPr lang="en-US" altLang="zh-CN" sz="1800" kern="0" dirty="0" smtClean="0"/>
+              <a:rPr lang="en-US" altLang="zh-CN" sz="1800" kern="0" dirty="0"/>
               <a:t>Person display</a:t>
             </a:r>
             <a:r>
@@ -5522,70 +5728,65 @@
               <a:t>"</a:t>
             </a:r>
             <a:r>
-              <a:rPr lang="en-US" altLang="zh-CN" sz="1800" kern="0" dirty="0" smtClean="0"/>
+              <a:rPr lang="en-US" altLang="zh-CN" sz="1800" kern="0" dirty="0"/>
               <a:t>);</a:t>
             </a:r>
           </a:p>
           <a:p>
             <a:pPr marL="457200" lvl="1" indent="0">
-              <a:buFontTx/>
               <a:buNone/>
               <a:defRPr/>
             </a:pPr>
             <a:r>
-              <a:rPr lang="en-US" altLang="zh-CN" sz="1800" kern="0" dirty="0" smtClean="0"/>
+              <a:rPr lang="en-US" altLang="zh-CN" sz="1800" kern="0" dirty="0"/>
               <a:t>}</a:t>
             </a:r>
           </a:p>
           <a:p>
             <a:pPr marL="0" indent="0">
-              <a:buFontTx/>
               <a:buNone/>
               <a:defRPr/>
             </a:pPr>
             <a:r>
-              <a:rPr lang="en-US" altLang="zh-CN" sz="1800" kern="0" dirty="0" smtClean="0"/>
+              <a:rPr lang="en-US" altLang="zh-CN" sz="1800" kern="0" dirty="0"/>
               <a:t>}</a:t>
             </a:r>
           </a:p>
           <a:p>
             <a:pPr marL="0" indent="0">
-              <a:buFontTx/>
               <a:buNone/>
               <a:defRPr/>
             </a:pPr>
             <a:r>
-              <a:rPr lang="en-US" altLang="zh-CN" sz="1800" kern="0" dirty="0" smtClean="0"/>
+              <a:rPr lang="en-US" altLang="zh-CN" sz="1800" kern="0" dirty="0"/>
               <a:t>class Teacher extends Person {</a:t>
             </a:r>
           </a:p>
           <a:p>
             <a:pPr marL="457200" lvl="1" indent="0">
-              <a:buFontTx/>
               <a:buNone/>
               <a:defRPr/>
             </a:pPr>
             <a:r>
-              <a:rPr lang="en-US" altLang="zh-CN" sz="1800" kern="0" dirty="0" smtClean="0"/>
+              <a:rPr lang="en-US" altLang="zh-CN" sz="1800" kern="0" dirty="0"/>
               <a:t>public void display() {</a:t>
             </a:r>
           </a:p>
           <a:p>
             <a:pPr marL="457200" lvl="1" indent="0">
-              <a:buFontTx/>
               <a:buNone/>
               <a:defRPr/>
             </a:pPr>
             <a:r>
-              <a:rPr lang="en-US" altLang="zh-CN" sz="1800" kern="0" dirty="0" smtClean="0"/>
+              <a:rPr lang="en-US" altLang="zh-CN" sz="1800" kern="0" dirty="0"/>
               <a:t>    </a:t>
             </a:r>
             <a:r>
-              <a:rPr lang="en-US" altLang="zh-CN" sz="1800" kern="0" dirty="0" err="1" smtClean="0"/>
+              <a:rPr lang="en-US" altLang="zh-CN" sz="1800" kern="0" dirty="0" err="1"/>
               <a:t>System.out.println</a:t>
             </a:r>
             <a:r>
-              <a:rPr lang="en-US" altLang="zh-CN" sz="1800" kern="0" dirty="0" smtClean="0"/>
+              <a:rPr lang="en-US" altLang="zh-CN" sz="1800" kern="0" dirty="0"/>
               <a:t>(</a:t>
             </a:r>
             <a:r>
@@ -5593,7 +5794,7 @@
               <a:t>"</a:t>
             </a:r>
             <a:r>
-              <a:rPr lang="en-US" altLang="zh-CN" sz="1800" kern="0" dirty="0" smtClean="0"/>
+              <a:rPr lang="en-US" altLang="zh-CN" sz="1800" kern="0" dirty="0"/>
               <a:t>Teacher display</a:t>
             </a:r>
             <a:r>
@@ -5601,60 +5802,53 @@
               <a:t>"</a:t>
             </a:r>
             <a:r>
-              <a:rPr lang="en-US" altLang="zh-CN" sz="1800" kern="0" dirty="0" smtClean="0"/>
+              <a:rPr lang="en-US" altLang="zh-CN" sz="1800" kern="0" dirty="0"/>
               <a:t>);</a:t>
             </a:r>
           </a:p>
           <a:p>
             <a:pPr marL="457200" lvl="1" indent="0">
-              <a:buFontTx/>
               <a:buNone/>
               <a:defRPr/>
             </a:pPr>
             <a:r>
-              <a:rPr lang="en-US" altLang="zh-CN" sz="1800" kern="0" dirty="0" smtClean="0"/>
+              <a:rPr lang="en-US" altLang="zh-CN" sz="1800" kern="0" dirty="0"/>
               <a:t>}</a:t>
             </a:r>
           </a:p>
           <a:p>
             <a:pPr marL="457200" lvl="1" indent="0">
-              <a:buFontTx/>
               <a:buNone/>
               <a:defRPr/>
             </a:pPr>
             <a:r>
-              <a:rPr lang="en-US" altLang="zh-CN" sz="1800" kern="0" dirty="0" smtClean="0"/>
+              <a:rPr lang="en-US" altLang="zh-CN" sz="1800" kern="0" dirty="0"/>
               <a:t>public void </a:t>
             </a:r>
             <a:r>
-              <a:rPr lang="en-US" altLang="zh-CN" sz="1800" kern="0" dirty="0" err="1" smtClean="0"/>
+              <a:rPr lang="en-US" altLang="zh-CN" sz="1800" kern="0" dirty="0" err="1"/>
               <a:t>displayEx</a:t>
             </a:r>
             <a:r>
-              <a:rPr lang="en-US" altLang="zh-CN" sz="1800" kern="0" dirty="0" smtClean="0"/>
+              <a:rPr lang="en-US" altLang="zh-CN" sz="1800" kern="0" dirty="0"/>
               <a:t> {</a:t>
             </a:r>
           </a:p>
           <a:p>
             <a:pPr marL="457200" lvl="1" indent="0">
-              <a:buFontTx/>
               <a:buNone/>
               <a:defRPr/>
             </a:pPr>
             <a:r>
               <a:rPr lang="en-US" altLang="zh-CN" sz="1800" kern="0" dirty="0"/>
-              <a:t> </a:t>
-            </a:r>
-            <a:r>
-              <a:rPr lang="en-US" altLang="zh-CN" sz="1800" kern="0" dirty="0" smtClean="0"/>
-              <a:t>   </a:t>
-            </a:r>
-            <a:r>
-              <a:rPr lang="en-US" altLang="zh-CN" sz="1800" kern="0" dirty="0" err="1" smtClean="0"/>
+              <a:t>    </a:t>
+            </a:r>
+            <a:r>
+              <a:rPr lang="en-US" altLang="zh-CN" sz="1800" kern="0" dirty="0" err="1"/>
               <a:t>System.out.println</a:t>
             </a:r>
             <a:r>
-              <a:rPr lang="en-US" altLang="zh-CN" sz="1800" kern="0" dirty="0" smtClean="0"/>
+              <a:rPr lang="en-US" altLang="zh-CN" sz="1800" kern="0" dirty="0"/>
               <a:t>(</a:t>
             </a:r>
             <a:r>
@@ -5662,7 +5856,7 @@
               <a:t>"</a:t>
             </a:r>
             <a:r>
-              <a:rPr lang="en-US" altLang="zh-CN" sz="1800" kern="0" dirty="0" smtClean="0"/>
+              <a:rPr lang="en-US" altLang="zh-CN" sz="1800" kern="0" dirty="0"/>
               <a:t>Extend from Person</a:t>
             </a:r>
             <a:r>
@@ -5670,29 +5864,27 @@
               <a:t>"</a:t>
             </a:r>
             <a:r>
-              <a:rPr lang="en-US" altLang="zh-CN" sz="1800" kern="0" dirty="0" smtClean="0"/>
+              <a:rPr lang="en-US" altLang="zh-CN" sz="1800" kern="0" dirty="0"/>
               <a:t>);</a:t>
             </a:r>
           </a:p>
           <a:p>
             <a:pPr marL="457200" lvl="1" indent="0">
-              <a:buFontTx/>
               <a:buNone/>
               <a:defRPr/>
             </a:pPr>
             <a:r>
-              <a:rPr lang="en-US" altLang="zh-CN" sz="1800" kern="0" dirty="0" smtClean="0"/>
+              <a:rPr lang="en-US" altLang="zh-CN" sz="1800" kern="0" dirty="0"/>
               <a:t>}</a:t>
             </a:r>
           </a:p>
           <a:p>
             <a:pPr marL="0" indent="0">
-              <a:buFontTx/>
               <a:buNone/>
               <a:defRPr/>
             </a:pPr>
             <a:r>
-              <a:rPr lang="en-US" altLang="zh-CN" sz="1800" kern="0" dirty="0" smtClean="0"/>
+              <a:rPr lang="en-US" altLang="zh-CN" sz="1800" kern="0" dirty="0"/>
               <a:t>}</a:t>
             </a:r>
           </a:p>
@@ -5700,7 +5892,7 @@
       </p:sp>
       <p:sp>
         <p:nvSpPr>
-          <p:cNvPr id="5" name="Rectangle 4"/>
+          <p:cNvPr id="8" name="Rectangle 4"/>
           <p:cNvSpPr txBox="1">
             <a:spLocks noChangeArrowheads="1"/>
           </p:cNvSpPr>
@@ -5708,8 +5900,8 @@
         </p:nvSpPr>
         <p:spPr bwMode="auto">
           <a:xfrm>
-            <a:off x="2051050" y="2679208"/>
-            <a:ext cx="6049963" cy="2592387"/>
+            <a:off x="6096000" y="1844824"/>
+            <a:ext cx="6049963" cy="2304355"/>
           </a:xfrm>
           <a:prstGeom prst="rect">
             <a:avLst/>
@@ -5873,12 +6065,11 @@
           </a:lstStyle>
           <a:p>
             <a:pPr marL="0" indent="0">
-              <a:buFontTx/>
               <a:buNone/>
               <a:defRPr/>
             </a:pPr>
             <a:r>
-              <a:rPr lang="en-US" altLang="zh-CN" sz="2000" kern="0" dirty="0" smtClean="0">
+              <a:rPr lang="en-US" altLang="zh-CN" sz="1800" kern="0" dirty="0">
                 <a:ea typeface="宋体" pitchFamily="2" charset="-122"/>
               </a:rPr>
               <a:t>public class Test{</a:t>
@@ -5886,24 +6077,23 @@
           </a:p>
           <a:p>
             <a:pPr marL="0" indent="0">
-              <a:buFontTx/>
               <a:buNone/>
               <a:defRPr/>
             </a:pPr>
             <a:r>
-              <a:rPr lang="en-US" altLang="zh-CN" sz="2000" kern="0" dirty="0" smtClean="0">
+              <a:rPr lang="en-US" altLang="zh-CN" sz="1800" kern="0" dirty="0">
                 <a:ea typeface="宋体" pitchFamily="2" charset="-122"/>
               </a:rPr>
               <a:t>    public static void main(String[] </a:t>
             </a:r>
             <a:r>
-              <a:rPr lang="en-US" altLang="zh-CN" sz="2000" kern="0" dirty="0" err="1" smtClean="0">
+              <a:rPr lang="en-US" altLang="zh-CN" sz="1800" kern="0" dirty="0" err="1">
                 <a:ea typeface="宋体" pitchFamily="2" charset="-122"/>
               </a:rPr>
               <a:t>args</a:t>
             </a:r>
             <a:r>
-              <a:rPr lang="en-US" altLang="zh-CN" sz="2000" kern="0" dirty="0" smtClean="0">
+              <a:rPr lang="en-US" altLang="zh-CN" sz="1800" kern="0" dirty="0">
                 <a:ea typeface="宋体" pitchFamily="2" charset="-122"/>
               </a:rPr>
               <a:t>){</a:t>
@@ -5911,58 +6101,56 @@
           </a:p>
           <a:p>
             <a:pPr marL="0" indent="0">
-              <a:buFontTx/>
               <a:buNone/>
               <a:defRPr/>
             </a:pPr>
             <a:r>
-              <a:rPr lang="en-US" altLang="zh-CN" sz="2000" kern="0" dirty="0" smtClean="0">
+              <a:rPr lang="en-US" altLang="zh-CN" sz="1800" kern="0" dirty="0">
                 <a:ea typeface="宋体" pitchFamily="2" charset="-122"/>
               </a:rPr>
               <a:t>        Person </a:t>
             </a:r>
             <a:r>
-              <a:rPr lang="en-US" altLang="zh-CN" sz="2000" kern="0" dirty="0" err="1" smtClean="0">
+              <a:rPr lang="en-US" altLang="zh-CN" sz="1800" kern="0" dirty="0" err="1">
                 <a:ea typeface="宋体" pitchFamily="2" charset="-122"/>
               </a:rPr>
               <a:t>person</a:t>
             </a:r>
             <a:r>
-              <a:rPr lang="en-US" altLang="zh-CN" sz="2000" kern="0" dirty="0" smtClean="0">
+              <a:rPr lang="en-US" altLang="zh-CN" sz="1800" kern="0" dirty="0">
                 <a:ea typeface="宋体" pitchFamily="2" charset="-122"/>
               </a:rPr>
               <a:t> = new Teacher(); //</a:t>
             </a:r>
             <a:r>
-              <a:rPr lang="zh-CN" altLang="en-US" sz="2000" kern="0" dirty="0" smtClean="0">
+              <a:rPr lang="zh-CN" altLang="en-US" sz="1800" kern="0" dirty="0">
                 <a:ea typeface="宋体" pitchFamily="2" charset="-122"/>
               </a:rPr>
               <a:t>向上转型</a:t>
             </a:r>
-            <a:endParaRPr lang="en-US" altLang="zh-CN" sz="2000" kern="0" dirty="0" smtClean="0">
+            <a:endParaRPr lang="en-US" altLang="zh-CN" sz="1800" kern="0" dirty="0">
               <a:ea typeface="宋体" pitchFamily="2" charset="-122"/>
             </a:endParaRPr>
           </a:p>
           <a:p>
             <a:pPr marL="0" indent="0">
-              <a:buFontTx/>
               <a:buNone/>
               <a:defRPr/>
             </a:pPr>
             <a:r>
-              <a:rPr lang="en-US" altLang="zh-CN" sz="2000" kern="0" dirty="0" smtClean="0">
+              <a:rPr lang="en-US" altLang="zh-CN" sz="1800" kern="0" dirty="0">
                 <a:ea typeface="宋体" pitchFamily="2" charset="-122"/>
               </a:rPr>
               <a:t>        </a:t>
             </a:r>
             <a:r>
-              <a:rPr lang="en-US" altLang="zh-CN" sz="2000" kern="0" dirty="0" err="1" smtClean="0">
+              <a:rPr lang="en-US" altLang="zh-CN" sz="1800" kern="0" dirty="0" err="1">
                 <a:ea typeface="宋体" pitchFamily="2" charset="-122"/>
               </a:rPr>
               <a:t>person.display</a:t>
             </a:r>
             <a:r>
-              <a:rPr lang="en-US" altLang="zh-CN" sz="2000" kern="0" dirty="0" smtClean="0">
+              <a:rPr lang="en-US" altLang="zh-CN" sz="1800" kern="0" dirty="0">
                 <a:ea typeface="宋体" pitchFamily="2" charset="-122"/>
               </a:rPr>
               <a:t>();</a:t>
@@ -5970,30 +6158,35 @@
           </a:p>
           <a:p>
             <a:pPr marL="0" indent="0">
-              <a:buFontTx/>
               <a:buNone/>
               <a:defRPr/>
             </a:pPr>
             <a:r>
-              <a:rPr lang="en-US" altLang="zh-CN" sz="2000" kern="0" dirty="0" smtClean="0">
+              <a:rPr lang="en-US" altLang="zh-CN" sz="1800" kern="0" dirty="0">
                 <a:ea typeface="宋体" pitchFamily="2" charset="-122"/>
               </a:rPr>
-              <a:t>        </a:t>
-            </a:r>
-            <a:r>
-              <a:rPr lang="en-US" altLang="zh-CN" sz="2000" kern="0" dirty="0" err="1" smtClean="0">
+              <a:t>       </a:t>
+            </a:r>
+            <a:r>
+              <a:rPr lang="en-US" altLang="zh-CN" sz="1800" kern="0" dirty="0" smtClean="0">
+                <a:ea typeface="宋体" pitchFamily="2" charset="-122"/>
+              </a:rPr>
+              <a:t>// </a:t>
+            </a:r>
+            <a:r>
+              <a:rPr lang="en-US" altLang="zh-CN" sz="1800" kern="0" dirty="0" err="1">
                 <a:ea typeface="宋体" pitchFamily="2" charset="-122"/>
               </a:rPr>
               <a:t>person.displayEx</a:t>
             </a:r>
             <a:r>
-              <a:rPr lang="en-US" altLang="zh-CN" sz="2000" kern="0" dirty="0" smtClean="0">
+              <a:rPr lang="en-US" altLang="zh-CN" sz="1800" kern="0" dirty="0">
                 <a:ea typeface="宋体" pitchFamily="2" charset="-122"/>
               </a:rPr>
               <a:t>();</a:t>
             </a:r>
             <a:r>
-              <a:rPr lang="en-US" altLang="zh-CN" sz="2000" kern="0" dirty="0" smtClean="0">
+              <a:rPr lang="en-US" altLang="zh-CN" sz="1800" kern="0" dirty="0">
                 <a:solidFill>
                   <a:srgbClr val="FF0000"/>
                 </a:solidFill>
@@ -6002,7 +6195,7 @@
               <a:t>//</a:t>
             </a:r>
             <a:r>
-              <a:rPr lang="zh-CN" altLang="en-US" sz="2000" kern="0" dirty="0" smtClean="0">
+              <a:rPr lang="zh-CN" altLang="en-US" sz="1800" kern="0" dirty="0">
                 <a:solidFill>
                   <a:srgbClr val="FF0000"/>
                 </a:solidFill>
@@ -6010,7 +6203,7 @@
               </a:rPr>
               <a:t>编译错误</a:t>
             </a:r>
-            <a:endParaRPr lang="en-US" altLang="zh-CN" sz="2000" kern="0" dirty="0" smtClean="0">
+            <a:endParaRPr lang="en-US" altLang="zh-CN" sz="1800" kern="0" dirty="0">
               <a:solidFill>
                 <a:srgbClr val="FF0000"/>
               </a:solidFill>
@@ -6019,12 +6212,11 @@
           </a:p>
           <a:p>
             <a:pPr marL="0" indent="0">
-              <a:buFontTx/>
               <a:buNone/>
               <a:defRPr/>
             </a:pPr>
             <a:r>
-              <a:rPr lang="en-US" altLang="zh-CN" sz="2000" kern="0" dirty="0" smtClean="0">
+              <a:rPr lang="en-US" altLang="zh-CN" sz="1800" kern="0" dirty="0">
                 <a:ea typeface="宋体" pitchFamily="2" charset="-122"/>
               </a:rPr>
               <a:t>    }</a:t>
@@ -6032,64 +6224,15 @@
           </a:p>
           <a:p>
             <a:pPr marL="0" indent="0">
-              <a:buFontTx/>
               <a:buNone/>
               <a:defRPr/>
             </a:pPr>
             <a:r>
-              <a:rPr lang="en-US" altLang="zh-CN" sz="2000" kern="0" dirty="0" smtClean="0">
+              <a:rPr lang="en-US" altLang="zh-CN" sz="1800" kern="0" dirty="0">
                 <a:ea typeface="宋体" pitchFamily="2" charset="-122"/>
               </a:rPr>
               <a:t>}</a:t>
             </a:r>
-            <a:endParaRPr lang="en-US" altLang="zh-CN" sz="2000" kern="0" dirty="0">
-              <a:ea typeface="宋体" pitchFamily="2" charset="-122"/>
-            </a:endParaRPr>
-          </a:p>
-        </p:txBody>
-      </p:sp>
-      <p:sp>
-        <p:nvSpPr>
-          <p:cNvPr id="15362" name="标题 1"/>
-          <p:cNvSpPr>
-            <a:spLocks noGrp="1"/>
-          </p:cNvSpPr>
-          <p:nvPr>
-            <p:ph type="title"/>
-          </p:nvPr>
-        </p:nvSpPr>
-        <p:spPr/>
-        <p:txBody>
-          <a:bodyPr/>
-          <a:lstStyle/>
-          <a:p>
-            <a:r>
-              <a:rPr lang="zh-CN" altLang="en-US" smtClean="0"/>
-              <a:t>多态的实现</a:t>
-            </a:r>
-          </a:p>
-        </p:txBody>
-      </p:sp>
-      <p:sp>
-        <p:nvSpPr>
-          <p:cNvPr id="15363" name="内容占位符 1"/>
-          <p:cNvSpPr>
-            <a:spLocks noGrp="1"/>
-          </p:cNvSpPr>
-          <p:nvPr>
-            <p:ph idx="1"/>
-          </p:nvPr>
-        </p:nvSpPr>
-        <p:spPr/>
-        <p:txBody>
-          <a:bodyPr/>
-          <a:lstStyle/>
-          <a:p>
-            <a:r>
-              <a:rPr lang="zh-CN" altLang="en-US" smtClean="0"/>
-              <a:t>通过将子类对象引用赋值给超类对象引用变量来实现动态方法调用。 </a:t>
-            </a:r>
-            <a:endParaRPr lang="en-US" altLang="zh-CN" dirty="0" smtClean="0"/>
           </a:p>
         </p:txBody>
       </p:sp>
@@ -6107,7 +6250,7 @@
               <p:cTn id="2" dur="indefinite" nodeType="mainSeq">
                 <p:childTnLst>
                   <p:par>
-                    <p:cTn id="3" fill="hold" nodeType="clickPar">
+                    <p:cTn id="3" fill="hold">
                       <p:stCondLst>
                         <p:cond delay="indefinite"/>
                         <p:cond evt="onBegin" delay="0">
@@ -6116,7 +6259,7 @@
                       </p:stCondLst>
                       <p:childTnLst>
                         <p:par>
-                          <p:cTn id="4" fill="hold" nodeType="withGroup">
+                          <p:cTn id="4" fill="hold">
                             <p:stCondLst>
                               <p:cond delay="0"/>
                             </p:stCondLst>
@@ -6135,7 +6278,7 @@
                                           </p:stCondLst>
                                         </p:cTn>
                                         <p:tgtEl>
-                                          <p:spTgt spid="4"/>
+                                          <p:spTgt spid="7"/>
                                         </p:tgtEl>
                                         <p:attrNameLst>
                                           <p:attrName>style.visibility</p:attrName>
@@ -6149,7 +6292,7 @@
                                       <p:cBhvr>
                                         <p:cTn id="7" dur="1000"/>
                                         <p:tgtEl>
-                                          <p:spTgt spid="4"/>
+                                          <p:spTgt spid="7"/>
                                         </p:tgtEl>
                                       </p:cBhvr>
                                     </p:animEffect>
@@ -6157,7 +6300,7 @@
                                       <p:cBhvr>
                                         <p:cTn id="8" dur="1000" fill="hold"/>
                                         <p:tgtEl>
-                                          <p:spTgt spid="4"/>
+                                          <p:spTgt spid="7"/>
                                         </p:tgtEl>
                                         <p:attrNameLst>
                                           <p:attrName>ppt_x</p:attrName>
@@ -6180,7 +6323,7 @@
                                       <p:cBhvr>
                                         <p:cTn id="9" dur="1000" fill="hold"/>
                                         <p:tgtEl>
-                                          <p:spTgt spid="4"/>
+                                          <p:spTgt spid="7"/>
                                         </p:tgtEl>
                                         <p:attrNameLst>
                                           <p:attrName>ppt_y</p:attrName>
@@ -6209,13 +6352,13 @@
                     </p:cTn>
                   </p:par>
                   <p:par>
-                    <p:cTn id="10" fill="hold" nodeType="clickPar">
+                    <p:cTn id="10" fill="hold">
                       <p:stCondLst>
                         <p:cond delay="indefinite"/>
                       </p:stCondLst>
                       <p:childTnLst>
                         <p:par>
-                          <p:cTn id="11" fill="hold" nodeType="withGroup">
+                          <p:cTn id="11" fill="hold">
                             <p:stCondLst>
                               <p:cond delay="0"/>
                             </p:stCondLst>
@@ -6234,7 +6377,7 @@
                                           </p:stCondLst>
                                         </p:cTn>
                                         <p:tgtEl>
-                                          <p:spTgt spid="4"/>
+                                          <p:spTgt spid="7"/>
                                         </p:tgtEl>
                                         <p:attrNameLst>
                                           <p:attrName>style.visibility</p:attrName>
@@ -6254,13 +6397,13 @@
                     </p:cTn>
                   </p:par>
                   <p:par>
-                    <p:cTn id="14" fill="hold" nodeType="clickPar">
+                    <p:cTn id="14" fill="hold">
                       <p:stCondLst>
                         <p:cond delay="indefinite"/>
                       </p:stCondLst>
                       <p:childTnLst>
                         <p:par>
-                          <p:cTn id="15" fill="hold" nodeType="withGroup">
+                          <p:cTn id="15" fill="hold">
                             <p:stCondLst>
                               <p:cond delay="0"/>
                             </p:stCondLst>
@@ -6279,7 +6422,7 @@
                                           </p:stCondLst>
                                         </p:cTn>
                                         <p:tgtEl>
-                                          <p:spTgt spid="5"/>
+                                          <p:spTgt spid="8"/>
                                         </p:tgtEl>
                                         <p:attrNameLst>
                                           <p:attrName>style.visibility</p:attrName>
@@ -6293,7 +6436,7 @@
                                       <p:cBhvr>
                                         <p:cTn id="18" dur="1000"/>
                                         <p:tgtEl>
-                                          <p:spTgt spid="5"/>
+                                          <p:spTgt spid="8"/>
                                         </p:tgtEl>
                                       </p:cBhvr>
                                     </p:animEffect>
@@ -6301,7 +6444,7 @@
                                       <p:cBhvr>
                                         <p:cTn id="19" dur="1000" fill="hold"/>
                                         <p:tgtEl>
-                                          <p:spTgt spid="5"/>
+                                          <p:spTgt spid="8"/>
                                         </p:tgtEl>
                                         <p:attrNameLst>
                                           <p:attrName>ppt_x</p:attrName>
@@ -6324,7 +6467,7 @@
                                       <p:cBhvr>
                                         <p:cTn id="20" dur="1000" fill="hold"/>
                                         <p:tgtEl>
-                                          <p:spTgt spid="5"/>
+                                          <p:spTgt spid="8"/>
                                         </p:tgtEl>
                                         <p:attrNameLst>
                                           <p:attrName>ppt_y</p:attrName>
@@ -6374,9 +6517,9 @@
       </p:par>
     </p:tnLst>
     <p:bldLst>
-      <p:bldP spid="4" grpId="0" animBg="1"/>
-      <p:bldP spid="4" grpId="1" animBg="1"/>
-      <p:bldP spid="5" grpId="0" animBg="1"/>
+      <p:bldP spid="7" grpId="0" animBg="1"/>
+      <p:bldP spid="7" grpId="1" animBg="1"/>
+      <p:bldP spid="8" grpId="0" animBg="1"/>
     </p:bldLst>
   </p:timing>
 </p:sld>
@@ -6436,70 +6579,137 @@
           <a:bodyPr/>
           <a:lstStyle/>
           <a:p>
-            <a:r>
-              <a:rPr lang="zh-CN" altLang="en-US" smtClean="0"/>
-              <a:t>思考：为什么子类的类型的对象实例可以赋给父类引用？</a:t>
-            </a:r>
-            <a:endParaRPr lang="en-US" altLang="zh-CN" smtClean="0"/>
-          </a:p>
-          <a:p>
-            <a:pPr lvl="1"/>
-            <a:r>
-              <a:rPr lang="zh-CN" altLang="en-US" smtClean="0"/>
+            <a:pPr>
+              <a:lnSpc>
+                <a:spcPct val="150000"/>
+              </a:lnSpc>
+            </a:pPr>
+            <a:r>
+              <a:rPr lang="zh-CN" altLang="en-US" dirty="0" smtClean="0"/>
+              <a:t>思考：为什么子类的类型的对象可以赋给父类引用？</a:t>
+            </a:r>
+            <a:endParaRPr lang="en-US" altLang="zh-CN" dirty="0" smtClean="0"/>
+          </a:p>
+          <a:p>
+            <a:pPr lvl="1">
+              <a:lnSpc>
+                <a:spcPct val="150000"/>
+              </a:lnSpc>
+            </a:pPr>
+            <a:r>
+              <a:rPr lang="zh-CN" altLang="en-US" dirty="0" smtClean="0"/>
               <a:t>自动实现向上转型。通过</a:t>
             </a:r>
             <a:r>
-              <a:rPr lang="en-US" altLang="zh-CN" smtClean="0"/>
-              <a:t>Person person = new Teacher();</a:t>
-            </a:r>
-            <a:r>
-              <a:rPr lang="zh-CN" altLang="en-US" smtClean="0"/>
-              <a:t>语句，编译器自动将子类实例向上移动，成为通用类型</a:t>
-            </a:r>
-            <a:r>
-              <a:rPr lang="en-US" altLang="zh-CN" smtClean="0"/>
+              <a:rPr lang="en-US" altLang="zh-CN" dirty="0" smtClean="0"/>
+              <a:t>Person </a:t>
+            </a:r>
+            <a:r>
+              <a:rPr lang="en-US" altLang="zh-CN" dirty="0" err="1" smtClean="0"/>
+              <a:t>person</a:t>
+            </a:r>
+            <a:r>
+              <a:rPr lang="en-US" altLang="zh-CN" dirty="0" smtClean="0"/>
+              <a:t> = new Teacher();</a:t>
+            </a:r>
+            <a:r>
+              <a:rPr lang="zh-CN" altLang="en-US" dirty="0" smtClean="0"/>
+              <a:t>语句，编译器自动将子类实例</a:t>
+            </a:r>
+            <a:r>
+              <a:rPr lang="zh-CN" altLang="en-US" dirty="0"/>
+              <a:t>转</a:t>
+            </a:r>
+            <a:r>
+              <a:rPr lang="zh-CN" altLang="en-US" dirty="0" smtClean="0"/>
+              <a:t>为通用类型</a:t>
+            </a:r>
+            <a:r>
+              <a:rPr lang="en-US" altLang="zh-CN" dirty="0" smtClean="0"/>
               <a:t>Person</a:t>
             </a:r>
             <a:r>
-              <a:rPr lang="zh-CN" altLang="en-US" smtClean="0"/>
+              <a:rPr lang="zh-CN" altLang="en-US" dirty="0" smtClean="0"/>
               <a:t>。</a:t>
             </a:r>
-            <a:endParaRPr lang="en-US" altLang="zh-CN" smtClean="0"/>
-          </a:p>
-          <a:p>
-            <a:r>
-              <a:rPr lang="zh-CN" altLang="en-US" smtClean="0"/>
+            <a:endParaRPr lang="en-US" altLang="zh-CN" dirty="0" smtClean="0"/>
+          </a:p>
+          <a:p>
+            <a:pPr>
+              <a:lnSpc>
+                <a:spcPct val="150000"/>
+              </a:lnSpc>
+            </a:pPr>
+            <a:r>
+              <a:rPr lang="zh-CN" altLang="en-US" dirty="0" smtClean="0"/>
               <a:t>思考： </a:t>
             </a:r>
             <a:r>
-              <a:rPr lang="en-US" altLang="zh-CN" smtClean="0"/>
-              <a:t>person.display();</a:t>
-            </a:r>
-            <a:r>
-              <a:rPr lang="zh-CN" altLang="en-US" smtClean="0"/>
+              <a:rPr lang="en-US" altLang="zh-CN" dirty="0" err="1" smtClean="0"/>
+              <a:t>person.display</a:t>
+            </a:r>
+            <a:r>
+              <a:rPr lang="en-US" altLang="zh-CN" dirty="0" smtClean="0"/>
+              <a:t>();</a:t>
+            </a:r>
+            <a:r>
+              <a:rPr lang="zh-CN" altLang="en-US" dirty="0" smtClean="0"/>
               <a:t>将执行子类还是父类定义的方法？ </a:t>
             </a:r>
-            <a:endParaRPr lang="en-US" altLang="zh-CN" smtClean="0"/>
-          </a:p>
-          <a:p>
-            <a:pPr lvl="1"/>
-            <a:r>
-              <a:rPr lang="zh-CN" altLang="en-US" smtClean="0"/>
+            <a:endParaRPr lang="en-US" altLang="zh-CN" dirty="0" smtClean="0"/>
+          </a:p>
+          <a:p>
+            <a:pPr lvl="1">
+              <a:lnSpc>
+                <a:spcPct val="150000"/>
+              </a:lnSpc>
+            </a:pPr>
+            <a:r>
+              <a:rPr lang="zh-CN" altLang="en-US" dirty="0" smtClean="0"/>
               <a:t>子类的。在运行时期，将根据</a:t>
             </a:r>
             <a:r>
-              <a:rPr lang="en-US" altLang="zh-CN" smtClean="0"/>
+              <a:rPr lang="en-US" altLang="zh-CN" dirty="0" smtClean="0"/>
               <a:t>person</a:t>
             </a:r>
             <a:r>
-              <a:rPr lang="zh-CN" altLang="en-US" smtClean="0"/>
-              <a:t>这个对象引用实际的类型来获取对应的方法。所以才有多态性。一个基类的对象引用，被赋予不同的子类对象引用，执行该方法时，将表现出不同的行为。</a:t>
-            </a:r>
-            <a:endParaRPr lang="en-US" altLang="zh-CN" smtClean="0"/>
-          </a:p>
-          <a:p>
-            <a:pPr lvl="1"/>
-            <a:endParaRPr lang="zh-CN" altLang="en-US" dirty="0"/>
+              <a:rPr lang="zh-CN" altLang="en-US" dirty="0" smtClean="0"/>
+              <a:t>这个对象引用实际的类型来获取对应的方法。所以才有多态性。一</a:t>
+            </a:r>
+            <a:r>
+              <a:rPr lang="zh-CN" altLang="en-US" dirty="0" smtClean="0"/>
+              <a:t>个父类</a:t>
+            </a:r>
+            <a:r>
+              <a:rPr lang="zh-CN" altLang="en-US" dirty="0" smtClean="0"/>
+              <a:t>的对象引用，被赋予不同的子类对象引用，执行该方法时，将表现出不同的行为。</a:t>
+            </a:r>
+            <a:endParaRPr lang="en-US" altLang="zh-CN" dirty="0" smtClean="0"/>
+          </a:p>
+          <a:p>
+            <a:pPr>
+              <a:lnSpc>
+                <a:spcPct val="150000"/>
+              </a:lnSpc>
+            </a:pPr>
+            <a:r>
+              <a:rPr lang="zh-CN" altLang="en-US" dirty="0" smtClean="0"/>
+              <a:t>思考：</a:t>
+            </a:r>
+            <a:r>
+              <a:rPr lang="en-US" altLang="zh-CN" dirty="0" err="1">
+                <a:ea typeface="宋体" pitchFamily="2" charset="-122"/>
+              </a:rPr>
+              <a:t>person.displayEx</a:t>
+            </a:r>
+            <a:r>
+              <a:rPr lang="en-US" altLang="zh-CN" dirty="0"/>
+              <a:t>();</a:t>
+            </a:r>
+            <a:r>
+              <a:rPr lang="zh-CN" altLang="en-US" dirty="0"/>
+              <a:t>为什么编译失败？</a:t>
+            </a:r>
           </a:p>
         </p:txBody>
       </p:sp>
@@ -6721,6 +6931,49 @@
                                   </p:childTnLst>
                                 </p:cTn>
                               </p:par>
+                              <p:par>
+                                <p:cTn id="19" presetID="14" presetClass="entr" presetSubtype="10" fill="hold" nodeType="withEffect">
+                                  <p:stCondLst>
+                                    <p:cond delay="0"/>
+                                  </p:stCondLst>
+                                  <p:childTnLst>
+                                    <p:set>
+                                      <p:cBhvr>
+                                        <p:cTn id="20" dur="1" fill="hold">
+                                          <p:stCondLst>
+                                            <p:cond delay="0"/>
+                                          </p:stCondLst>
+                                        </p:cTn>
+                                        <p:tgtEl>
+                                          <p:spTgt spid="2">
+                                            <p:txEl>
+                                              <p:pRg st="4" end="4"/>
+                                            </p:txEl>
+                                          </p:spTgt>
+                                        </p:tgtEl>
+                                        <p:attrNameLst>
+                                          <p:attrName>style.visibility</p:attrName>
+                                        </p:attrNameLst>
+                                      </p:cBhvr>
+                                      <p:to>
+                                        <p:strVal val="visible"/>
+                                      </p:to>
+                                    </p:set>
+                                    <p:animEffect transition="in" filter="randombar(horizontal)">
+                                      <p:cBhvr>
+                                        <p:cTn id="21" dur="500"/>
+                                        <p:tgtEl>
+                                          <p:spTgt spid="2">
+                                            <p:txEl>
+                                              <p:pRg st="4" end="4"/>
+                                            </p:txEl>
+                                          </p:spTgt>
+                                        </p:tgtEl>
+                                      </p:cBhvr>
+                                    </p:animEffect>
+                                  </p:childTnLst>
+                                </p:cTn>
+                              </p:par>
                             </p:childTnLst>
                           </p:cTn>
                         </p:par>
@@ -6806,6 +7059,11 @@
           <a:bodyPr/>
           <a:lstStyle/>
           <a:p>
+            <a:pPr>
+              <a:lnSpc>
+                <a:spcPct val="150000"/>
+              </a:lnSpc>
+            </a:pPr>
             <a:r>
               <a:rPr lang="zh-CN" altLang="en-US" dirty="0" smtClean="0"/>
               <a:t>对于父类中定义的方法，如果子类中重写了该方法，那么父类类型的引用将会调用子类中的定义的这个方法，这就是动态链接。</a:t>
@@ -6813,21 +7071,23 @@
             <a:endParaRPr lang="en-US" altLang="zh-CN" dirty="0" smtClean="0"/>
           </a:p>
           <a:p>
+            <a:pPr>
+              <a:lnSpc>
+                <a:spcPct val="150000"/>
+              </a:lnSpc>
+            </a:pPr>
             <a:r>
               <a:rPr lang="zh-CN" altLang="en-US" dirty="0" smtClean="0"/>
-              <a:t>父类中的一个</a:t>
-            </a:r>
-            <a:r>
-              <a:rPr lang="zh-CN" altLang="en-US" smtClean="0"/>
-              <a:t>方法只有在</a:t>
-            </a:r>
-            <a:r>
-              <a:rPr lang="zh-CN" altLang="en-US" dirty="0" smtClean="0"/>
-              <a:t>父类中定义而在子类中没有重写的情况下，才可以被父类类型的引用调用。</a:t>
+              <a:t>父类中的一个方法只有在父类中定义而在子类中没有重写的情况下，才可以被父类类型的引用调用。</a:t>
             </a:r>
             <a:endParaRPr lang="en-US" altLang="zh-CN" dirty="0" smtClean="0"/>
           </a:p>
           <a:p>
+            <a:pPr>
+              <a:lnSpc>
+                <a:spcPct val="150000"/>
+              </a:lnSpc>
+            </a:pPr>
             <a:r>
               <a:rPr lang="zh-CN" altLang="en-US" dirty="0" smtClean="0"/>
               <a:t>对于子类中定义而父类中没有的方法，它是无可奈何的。</a:t>
@@ -6835,6 +7095,11 @@
             <a:endParaRPr lang="en-US" altLang="zh-CN" dirty="0" smtClean="0"/>
           </a:p>
           <a:p>
+            <a:pPr>
+              <a:lnSpc>
+                <a:spcPct val="150000"/>
+              </a:lnSpc>
+            </a:pPr>
             <a:endParaRPr lang="zh-CN" altLang="en-US" dirty="0" smtClean="0"/>
           </a:p>
         </p:txBody>
@@ -6895,167 +7160,6 @@
       </p:sp>
       <p:sp>
         <p:nvSpPr>
-          <p:cNvPr id="9" name="Rectangle 4"/>
-          <p:cNvSpPr txBox="1">
-            <a:spLocks noGrp="1" noChangeArrowheads="1"/>
-          </p:cNvSpPr>
-          <p:nvPr>
-            <p:ph idx="1"/>
-          </p:nvPr>
-        </p:nvSpPr>
-        <p:spPr/>
-        <p:txBody>
-          <a:bodyPr/>
-          <a:lstStyle>
-            <a:lvl1pPr marL="342900" indent="-342900" algn="l" rtl="0" eaLnBrk="0" fontAlgn="base" hangingPunct="0">
-              <a:spcBef>
-                <a:spcPct val="20000"/>
-              </a:spcBef>
-              <a:spcAft>
-                <a:spcPct val="0"/>
-              </a:spcAft>
-              <a:buChar char="•"/>
-              <a:defRPr sz="2400" baseline="0">
-                <a:solidFill>
-                  <a:schemeClr val="tx1"/>
-                </a:solidFill>
-                <a:latin typeface="微软雅黑" pitchFamily="34" charset="-122"/>
-                <a:ea typeface="微软雅黑" pitchFamily="34" charset="-122"/>
-                <a:cs typeface="+mn-cs"/>
-              </a:defRPr>
-            </a:lvl1pPr>
-            <a:lvl2pPr marL="742950" indent="-285750" algn="l" rtl="0" eaLnBrk="0" fontAlgn="base" hangingPunct="0">
-              <a:spcBef>
-                <a:spcPct val="20000"/>
-              </a:spcBef>
-              <a:spcAft>
-                <a:spcPct val="0"/>
-              </a:spcAft>
-              <a:buChar char="–"/>
-              <a:defRPr sz="2000" baseline="0">
-                <a:solidFill>
-                  <a:schemeClr val="tx1"/>
-                </a:solidFill>
-                <a:latin typeface="微软雅黑" pitchFamily="34" charset="-122"/>
-                <a:ea typeface="微软雅黑" pitchFamily="34" charset="-122"/>
-              </a:defRPr>
-            </a:lvl2pPr>
-            <a:lvl3pPr marL="1143000" indent="-228600" algn="l" rtl="0" eaLnBrk="0" fontAlgn="base" hangingPunct="0">
-              <a:spcBef>
-                <a:spcPct val="20000"/>
-              </a:spcBef>
-              <a:spcAft>
-                <a:spcPct val="0"/>
-              </a:spcAft>
-              <a:buChar char="•"/>
-              <a:defRPr sz="1800" baseline="0">
-                <a:solidFill>
-                  <a:schemeClr val="tx1"/>
-                </a:solidFill>
-                <a:latin typeface="微软雅黑" pitchFamily="34" charset="-122"/>
-                <a:ea typeface="微软雅黑" pitchFamily="34" charset="-122"/>
-              </a:defRPr>
-            </a:lvl3pPr>
-            <a:lvl4pPr marL="1600200" indent="-228600" algn="l" rtl="0" eaLnBrk="0" fontAlgn="base" hangingPunct="0">
-              <a:spcBef>
-                <a:spcPct val="20000"/>
-              </a:spcBef>
-              <a:spcAft>
-                <a:spcPct val="0"/>
-              </a:spcAft>
-              <a:buNone/>
-              <a:defRPr sz="2000">
-                <a:solidFill>
-                  <a:schemeClr val="tx1"/>
-                </a:solidFill>
-                <a:latin typeface="微软雅黑" pitchFamily="34" charset="-122"/>
-                <a:ea typeface="微软雅黑" pitchFamily="34" charset="-122"/>
-              </a:defRPr>
-            </a:lvl4pPr>
-            <a:lvl5pPr marL="2057400" indent="-228600" algn="l" rtl="0" eaLnBrk="0" fontAlgn="base" hangingPunct="0">
-              <a:spcBef>
-                <a:spcPct val="20000"/>
-              </a:spcBef>
-              <a:spcAft>
-                <a:spcPct val="0"/>
-              </a:spcAft>
-              <a:buChar char="»"/>
-              <a:defRPr sz="2000">
-                <a:solidFill>
-                  <a:schemeClr val="tx1"/>
-                </a:solidFill>
-                <a:latin typeface="微软雅黑" pitchFamily="34" charset="-122"/>
-                <a:ea typeface="微软雅黑" pitchFamily="34" charset="-122"/>
-              </a:defRPr>
-            </a:lvl5pPr>
-            <a:lvl6pPr marL="2514600" indent="-228600" algn="l" rtl="0" fontAlgn="base">
-              <a:spcBef>
-                <a:spcPct val="20000"/>
-              </a:spcBef>
-              <a:spcAft>
-                <a:spcPct val="0"/>
-              </a:spcAft>
-              <a:buChar char="»"/>
-              <a:defRPr sz="2000">
-                <a:solidFill>
-                  <a:schemeClr val="tx1"/>
-                </a:solidFill>
-                <a:latin typeface="+mn-lt"/>
-              </a:defRPr>
-            </a:lvl6pPr>
-            <a:lvl7pPr marL="2971800" indent="-228600" algn="l" rtl="0" fontAlgn="base">
-              <a:spcBef>
-                <a:spcPct val="20000"/>
-              </a:spcBef>
-              <a:spcAft>
-                <a:spcPct val="0"/>
-              </a:spcAft>
-              <a:buChar char="»"/>
-              <a:defRPr sz="2000">
-                <a:solidFill>
-                  <a:schemeClr val="tx1"/>
-                </a:solidFill>
-                <a:latin typeface="+mn-lt"/>
-              </a:defRPr>
-            </a:lvl7pPr>
-            <a:lvl8pPr marL="3429000" indent="-228600" algn="l" rtl="0" fontAlgn="base">
-              <a:spcBef>
-                <a:spcPct val="20000"/>
-              </a:spcBef>
-              <a:spcAft>
-                <a:spcPct val="0"/>
-              </a:spcAft>
-              <a:buChar char="»"/>
-              <a:defRPr sz="2000">
-                <a:solidFill>
-                  <a:schemeClr val="tx1"/>
-                </a:solidFill>
-                <a:latin typeface="+mn-lt"/>
-              </a:defRPr>
-            </a:lvl8pPr>
-            <a:lvl9pPr marL="3886200" indent="-228600" algn="l" rtl="0" fontAlgn="base">
-              <a:spcBef>
-                <a:spcPct val="20000"/>
-              </a:spcBef>
-              <a:spcAft>
-                <a:spcPct val="0"/>
-              </a:spcAft>
-              <a:buChar char="»"/>
-              <a:defRPr sz="2000">
-                <a:solidFill>
-                  <a:schemeClr val="tx1"/>
-                </a:solidFill>
-                <a:latin typeface="+mn-lt"/>
-              </a:defRPr>
-            </a:lvl9pPr>
-          </a:lstStyle>
-          <a:p>
-            <a:endParaRPr lang="en-US" altLang="zh-CN" dirty="0"/>
-          </a:p>
-        </p:txBody>
-      </p:sp>
-      <p:sp>
-        <p:nvSpPr>
           <p:cNvPr id="7" name="Rectangle 4"/>
           <p:cNvSpPr txBox="1">
             <a:spLocks noChangeArrowheads="1"/>
@@ -7064,8 +7168,8 @@
         </p:nvSpPr>
         <p:spPr bwMode="auto">
           <a:xfrm>
-            <a:off x="324838" y="1052736"/>
-            <a:ext cx="5083175" cy="5184576"/>
+            <a:off x="479376" y="620688"/>
+            <a:ext cx="5975353" cy="6264696"/>
           </a:xfrm>
           <a:prstGeom prst="rect">
             <a:avLst/>
@@ -7229,363 +7333,283 @@
           </a:lstStyle>
           <a:p>
             <a:pPr marL="0" indent="0">
-              <a:buFontTx/>
               <a:buNone/>
               <a:defRPr/>
             </a:pPr>
             <a:r>
-              <a:rPr lang="en-US" altLang="zh-CN" sz="1400" kern="0" dirty="0"/>
-              <a:t>class </a:t>
-            </a:r>
-            <a:r>
-              <a:rPr lang="en-US" altLang="zh-CN" sz="1400" kern="0" dirty="0" smtClean="0"/>
-              <a:t>Person {</a:t>
-            </a:r>
-            <a:endParaRPr lang="en-US" altLang="zh-CN" sz="1400" kern="0" dirty="0"/>
+              <a:rPr lang="en-US" altLang="zh-CN" sz="1800" kern="0" dirty="0"/>
+              <a:t>class Person {</a:t>
+            </a:r>
           </a:p>
           <a:p>
             <a:pPr marL="457200" lvl="1" indent="0">
-              <a:buFontTx/>
               <a:buNone/>
               <a:defRPr/>
             </a:pPr>
             <a:r>
-              <a:rPr lang="en-US" altLang="zh-CN" sz="1400" kern="0" dirty="0"/>
+              <a:rPr lang="en-US" altLang="zh-CN" sz="1800" kern="0" dirty="0"/>
               <a:t>private String name;</a:t>
             </a:r>
           </a:p>
           <a:p>
             <a:pPr marL="457200" lvl="1" indent="0">
-              <a:buFontTx/>
               <a:buNone/>
               <a:defRPr/>
             </a:pPr>
             <a:r>
-              <a:rPr lang="en-US" altLang="zh-CN" sz="1400" kern="0" dirty="0"/>
-              <a:t>public  void display</a:t>
-            </a:r>
-            <a:r>
-              <a:rPr lang="en-US" altLang="zh-CN" sz="1400" kern="0" dirty="0" smtClean="0"/>
-              <a:t>() { </a:t>
-            </a:r>
-            <a:endParaRPr lang="en-US" altLang="zh-CN" sz="1400" kern="0" dirty="0"/>
+              <a:rPr lang="en-US" altLang="zh-CN" sz="1800" kern="0" dirty="0"/>
+              <a:t>public  void display() { </a:t>
+            </a:r>
           </a:p>
           <a:p>
             <a:pPr marL="457200" lvl="1" indent="0">
-              <a:buFontTx/>
               <a:buNone/>
               <a:defRPr/>
             </a:pPr>
             <a:r>
-              <a:rPr lang="en-US" altLang="zh-CN" sz="1400" kern="0" dirty="0"/>
+              <a:rPr lang="en-US" altLang="zh-CN" sz="1800" kern="0" dirty="0"/>
               <a:t>    </a:t>
             </a:r>
             <a:r>
-              <a:rPr lang="en-US" altLang="zh-CN" sz="1400" kern="0" dirty="0" err="1" smtClean="0"/>
+              <a:rPr lang="en-US" altLang="zh-CN" sz="1800" kern="0" dirty="0" err="1"/>
               <a:t>System.out.println</a:t>
             </a:r>
             <a:r>
-              <a:rPr lang="en-US" altLang="zh-CN" sz="1400" kern="0" dirty="0" smtClean="0"/>
+              <a:rPr lang="en-US" altLang="zh-CN" sz="1800" kern="0" dirty="0"/>
               <a:t>(</a:t>
             </a:r>
             <a:r>
-              <a:rPr lang="en-US" altLang="zh-CN" sz="1400" dirty="0"/>
+              <a:rPr lang="en-US" altLang="zh-CN" sz="1800" dirty="0"/>
               <a:t>"</a:t>
             </a:r>
             <a:r>
-              <a:rPr lang="en-US" altLang="zh-CN" sz="1400" kern="0" dirty="0" smtClean="0"/>
+              <a:rPr lang="en-US" altLang="zh-CN" sz="1800" kern="0" dirty="0"/>
               <a:t>Person display</a:t>
             </a:r>
             <a:r>
-              <a:rPr lang="en-US" altLang="zh-CN" sz="1400" dirty="0"/>
+              <a:rPr lang="en-US" altLang="zh-CN" sz="1800" dirty="0"/>
               <a:t>"</a:t>
             </a:r>
             <a:r>
-              <a:rPr lang="en-US" altLang="zh-CN" sz="1400" kern="0" dirty="0" smtClean="0"/>
+              <a:rPr lang="en-US" altLang="zh-CN" sz="1800" kern="0" dirty="0"/>
               <a:t>);</a:t>
             </a:r>
-            <a:endParaRPr lang="en-US" altLang="zh-CN" sz="1400" kern="0" dirty="0"/>
           </a:p>
           <a:p>
             <a:pPr marL="457200" lvl="1" indent="0">
-              <a:buFontTx/>
               <a:buNone/>
               <a:defRPr/>
             </a:pPr>
             <a:r>
-              <a:rPr lang="en-US" altLang="zh-CN" sz="1400" kern="0" dirty="0"/>
+              <a:rPr lang="en-US" altLang="zh-CN" sz="1800" kern="0" dirty="0"/>
               <a:t>}</a:t>
             </a:r>
           </a:p>
           <a:p>
             <a:pPr marL="0" indent="0">
-              <a:buFontTx/>
               <a:buNone/>
               <a:defRPr/>
             </a:pPr>
             <a:r>
-              <a:rPr lang="en-US" altLang="zh-CN" sz="1400" kern="0" dirty="0"/>
+              <a:rPr lang="en-US" altLang="zh-CN" sz="1800" kern="0" dirty="0"/>
               <a:t>}</a:t>
             </a:r>
           </a:p>
           <a:p>
             <a:pPr marL="0" indent="0">
-              <a:buFontTx/>
               <a:buNone/>
               <a:defRPr/>
             </a:pPr>
             <a:r>
-              <a:rPr lang="en-US" altLang="zh-CN" sz="1400" kern="0" dirty="0"/>
-              <a:t>class Teacher extends </a:t>
-            </a:r>
-            <a:r>
-              <a:rPr lang="en-US" altLang="zh-CN" sz="1400" kern="0" dirty="0" smtClean="0"/>
-              <a:t>Person {</a:t>
-            </a:r>
-            <a:endParaRPr lang="en-US" altLang="zh-CN" sz="1400" kern="0" dirty="0"/>
+              <a:rPr lang="en-US" altLang="zh-CN" sz="1800" kern="0" dirty="0"/>
+              <a:t>class Teacher extends Person {</a:t>
+            </a:r>
           </a:p>
           <a:p>
             <a:pPr marL="457200" lvl="1" indent="0">
-              <a:buFontTx/>
               <a:buNone/>
               <a:defRPr/>
             </a:pPr>
             <a:r>
-              <a:rPr lang="en-US" altLang="zh-CN" sz="1400" kern="0" dirty="0"/>
-              <a:t>public void display</a:t>
-            </a:r>
-            <a:r>
-              <a:rPr lang="en-US" altLang="zh-CN" sz="1400" kern="0" dirty="0" smtClean="0"/>
-              <a:t>() {</a:t>
-            </a:r>
-            <a:endParaRPr lang="en-US" altLang="zh-CN" sz="1400" kern="0" dirty="0"/>
+              <a:rPr lang="en-US" altLang="zh-CN" sz="1800" kern="0" dirty="0"/>
+              <a:t>public void display() {</a:t>
+            </a:r>
           </a:p>
           <a:p>
             <a:pPr marL="457200" lvl="1" indent="0">
-              <a:buFontTx/>
               <a:buNone/>
               <a:defRPr/>
             </a:pPr>
             <a:r>
-              <a:rPr lang="en-US" altLang="zh-CN" sz="1400" kern="0" dirty="0"/>
+              <a:rPr lang="en-US" altLang="zh-CN" sz="1800" kern="0" dirty="0"/>
               <a:t>    </a:t>
             </a:r>
             <a:r>
-              <a:rPr lang="en-US" altLang="zh-CN" sz="1400" kern="0" dirty="0" err="1" smtClean="0"/>
+              <a:rPr lang="en-US" altLang="zh-CN" sz="1800" kern="0" dirty="0" err="1"/>
               <a:t>System.out.println</a:t>
             </a:r>
             <a:r>
-              <a:rPr lang="en-US" altLang="zh-CN" sz="1400" kern="0" dirty="0" smtClean="0"/>
+              <a:rPr lang="en-US" altLang="zh-CN" sz="1800" kern="0" dirty="0"/>
               <a:t>(</a:t>
             </a:r>
             <a:r>
-              <a:rPr lang="en-US" altLang="zh-CN" sz="1400" dirty="0"/>
+              <a:rPr lang="en-US" altLang="zh-CN" sz="1800" dirty="0"/>
               <a:t>"</a:t>
             </a:r>
             <a:r>
-              <a:rPr lang="en-US" altLang="zh-CN" sz="1400" kern="0" dirty="0" smtClean="0"/>
+              <a:rPr lang="en-US" altLang="zh-CN" sz="1800" kern="0" dirty="0"/>
               <a:t>Teacher display</a:t>
             </a:r>
             <a:r>
-              <a:rPr lang="en-US" altLang="zh-CN" sz="1400" dirty="0"/>
+              <a:rPr lang="en-US" altLang="zh-CN" sz="1800" dirty="0"/>
               <a:t>"</a:t>
             </a:r>
             <a:r>
-              <a:rPr lang="en-US" altLang="zh-CN" sz="1400" kern="0" dirty="0" smtClean="0"/>
+              <a:rPr lang="en-US" altLang="zh-CN" sz="1800" kern="0" dirty="0"/>
               <a:t>);</a:t>
             </a:r>
-            <a:endParaRPr lang="en-US" altLang="zh-CN" sz="1400" kern="0" dirty="0"/>
           </a:p>
           <a:p>
             <a:pPr marL="457200" lvl="1" indent="0">
-              <a:buFontTx/>
               <a:buNone/>
               <a:defRPr/>
             </a:pPr>
             <a:r>
-              <a:rPr lang="en-US" altLang="zh-CN" sz="1400" kern="0" dirty="0"/>
+              <a:rPr lang="en-US" altLang="zh-CN" sz="1800" kern="0" dirty="0"/>
               <a:t>}</a:t>
             </a:r>
           </a:p>
           <a:p>
             <a:pPr marL="0" indent="0">
-              <a:buFontTx/>
               <a:buNone/>
               <a:defRPr/>
             </a:pPr>
             <a:r>
-              <a:rPr lang="en-US" altLang="zh-CN" sz="1400" kern="0" smtClean="0"/>
+              <a:rPr lang="en-US" altLang="zh-CN" sz="1800" kern="0" dirty="0"/>
               <a:t>}</a:t>
             </a:r>
-            <a:endParaRPr lang="en-US" altLang="zh-CN" sz="1400" kern="0" dirty="0"/>
           </a:p>
           <a:p>
             <a:pPr marL="0" indent="0">
-              <a:buFontTx/>
               <a:buNone/>
               <a:defRPr/>
             </a:pPr>
             <a:r>
-              <a:rPr lang="en-US" altLang="zh-CN" sz="1400" dirty="0"/>
+              <a:rPr lang="en-US" altLang="zh-CN" sz="1800" dirty="0"/>
               <a:t>class </a:t>
             </a:r>
             <a:r>
-              <a:rPr lang="en-US" altLang="zh-CN" sz="1400" dirty="0">
+              <a:rPr lang="en-US" altLang="zh-CN" sz="1800" dirty="0">
                 <a:ea typeface="宋体" pitchFamily="2" charset="-122"/>
               </a:rPr>
               <a:t>Student </a:t>
             </a:r>
             <a:r>
-              <a:rPr lang="en-US" altLang="zh-CN" sz="1400" dirty="0"/>
+              <a:rPr lang="en-US" altLang="zh-CN" sz="1800" dirty="0"/>
               <a:t>extends Person{</a:t>
             </a:r>
           </a:p>
           <a:p>
             <a:pPr marL="457200" lvl="1" indent="0">
-              <a:buFontTx/>
               <a:buNone/>
               <a:defRPr/>
             </a:pPr>
             <a:r>
-              <a:rPr lang="en-US" altLang="zh-CN" sz="1400" dirty="0"/>
+              <a:rPr lang="en-US" altLang="zh-CN" sz="1800" dirty="0"/>
               <a:t>public void display(){</a:t>
             </a:r>
           </a:p>
           <a:p>
             <a:pPr marL="457200" lvl="1" indent="0">
-              <a:buFontTx/>
               <a:buNone/>
               <a:defRPr/>
             </a:pPr>
             <a:r>
-              <a:rPr lang="en-US" altLang="zh-CN" sz="1400" dirty="0"/>
+              <a:rPr lang="en-US" altLang="zh-CN" sz="1800" dirty="0"/>
               <a:t>    </a:t>
             </a:r>
             <a:r>
-              <a:rPr lang="en-US" altLang="zh-CN" sz="1400" dirty="0" err="1" smtClean="0"/>
+              <a:rPr lang="en-US" altLang="zh-CN" sz="1800" dirty="0" err="1"/>
               <a:t>System.out.println</a:t>
             </a:r>
             <a:r>
-              <a:rPr lang="en-US" altLang="zh-CN" sz="1400" dirty="0" smtClean="0"/>
-              <a:t>(</a:t>
-            </a:r>
-            <a:r>
-              <a:rPr lang="en-US" altLang="zh-CN" sz="1400" dirty="0"/>
-              <a:t>"</a:t>
-            </a:r>
-            <a:r>
-              <a:rPr lang="en-US" altLang="zh-CN" sz="1400" dirty="0" smtClean="0">
+              <a:rPr lang="en-US" altLang="zh-CN" sz="1800" dirty="0"/>
+              <a:t>("</a:t>
+            </a:r>
+            <a:r>
+              <a:rPr lang="en-US" altLang="zh-CN" sz="1800" dirty="0">
                 <a:ea typeface="宋体" pitchFamily="2" charset="-122"/>
               </a:rPr>
               <a:t>Student </a:t>
             </a:r>
             <a:r>
-              <a:rPr lang="en-US" altLang="zh-CN" sz="1400" dirty="0" smtClean="0"/>
-              <a:t>display</a:t>
-            </a:r>
-            <a:r>
-              <a:rPr lang="en-US" altLang="zh-CN" sz="1400" dirty="0"/>
-              <a:t>"</a:t>
-            </a:r>
-            <a:r>
-              <a:rPr lang="en-US" altLang="zh-CN" sz="1400" dirty="0" smtClean="0"/>
-              <a:t>);</a:t>
-            </a:r>
-            <a:endParaRPr lang="en-US" altLang="zh-CN" sz="1400" dirty="0"/>
+              <a:rPr lang="en-US" altLang="zh-CN" sz="1800" dirty="0"/>
+              <a:t>display");</a:t>
+            </a:r>
           </a:p>
           <a:p>
             <a:pPr marL="457200" lvl="1" indent="0">
-              <a:buFontTx/>
               <a:buNone/>
               <a:defRPr/>
             </a:pPr>
             <a:r>
-              <a:rPr lang="en-US" altLang="zh-CN" sz="1400" dirty="0"/>
+              <a:rPr lang="en-US" altLang="zh-CN" sz="1800" dirty="0"/>
               <a:t>}</a:t>
             </a:r>
           </a:p>
           <a:p>
             <a:pPr marL="457200" lvl="1" indent="0">
-              <a:buFontTx/>
               <a:buNone/>
               <a:defRPr/>
             </a:pPr>
             <a:r>
-              <a:rPr lang="en-US" altLang="zh-CN" sz="1400" dirty="0"/>
+              <a:rPr lang="en-US" altLang="zh-CN" sz="1800" dirty="0"/>
               <a:t>public void </a:t>
             </a:r>
             <a:r>
-              <a:rPr lang="en-US" altLang="zh-CN" sz="1400" dirty="0" err="1"/>
+              <a:rPr lang="en-US" altLang="zh-CN" sz="1800" dirty="0" err="1"/>
               <a:t>displayEx</a:t>
             </a:r>
             <a:r>
-              <a:rPr lang="en-US" altLang="zh-CN" sz="1400" dirty="0"/>
+              <a:rPr lang="en-US" altLang="zh-CN" sz="1800" dirty="0"/>
               <a:t>{</a:t>
             </a:r>
           </a:p>
           <a:p>
             <a:pPr marL="457200" lvl="1" indent="0">
-              <a:buFontTx/>
               <a:buNone/>
               <a:defRPr/>
             </a:pPr>
             <a:r>
-              <a:rPr lang="en-US" altLang="zh-CN" sz="1400" dirty="0"/>
+              <a:rPr lang="en-US" altLang="zh-CN" sz="1800" dirty="0"/>
               <a:t>    </a:t>
             </a:r>
             <a:r>
-              <a:rPr lang="en-US" altLang="zh-CN" sz="1400" dirty="0" err="1" smtClean="0"/>
+              <a:rPr lang="en-US" altLang="zh-CN" sz="1800" dirty="0" err="1"/>
               <a:t>System.out.println</a:t>
             </a:r>
             <a:r>
-              <a:rPr lang="en-US" altLang="zh-CN" sz="1400" dirty="0" smtClean="0"/>
-              <a:t>(</a:t>
-            </a:r>
-            <a:r>
-              <a:rPr lang="en-US" altLang="zh-CN" sz="1400" dirty="0"/>
-              <a:t>"</a:t>
-            </a:r>
-            <a:r>
-              <a:rPr lang="en-US" altLang="zh-CN" sz="1400" dirty="0" smtClean="0"/>
-              <a:t>Extend </a:t>
-            </a:r>
-            <a:r>
-              <a:rPr lang="en-US" altLang="zh-CN" sz="1400" dirty="0"/>
-              <a:t>from </a:t>
-            </a:r>
-            <a:r>
-              <a:rPr lang="en-US" altLang="zh-CN" sz="1400" dirty="0" smtClean="0"/>
-              <a:t>Person</a:t>
-            </a:r>
-            <a:r>
-              <a:rPr lang="en-US" altLang="zh-CN" sz="1400" dirty="0"/>
-              <a:t>"</a:t>
-            </a:r>
-            <a:r>
-              <a:rPr lang="en-US" altLang="zh-CN" sz="1400" dirty="0" smtClean="0"/>
-              <a:t>);</a:t>
-            </a:r>
-            <a:endParaRPr lang="en-US" altLang="zh-CN" sz="1400" dirty="0"/>
+              <a:rPr lang="en-US" altLang="zh-CN" sz="1800" dirty="0"/>
+              <a:t>("Extend from Person");</a:t>
+            </a:r>
           </a:p>
           <a:p>
             <a:pPr marL="457200" lvl="1" indent="0">
-              <a:buFontTx/>
               <a:buNone/>
               <a:defRPr/>
             </a:pPr>
             <a:r>
-              <a:rPr lang="en-US" altLang="zh-CN" sz="1400" dirty="0"/>
+              <a:rPr lang="en-US" altLang="zh-CN" sz="1800" dirty="0"/>
               <a:t>}</a:t>
             </a:r>
           </a:p>
           <a:p>
             <a:pPr marL="0" indent="0">
-              <a:buFontTx/>
               <a:buNone/>
               <a:defRPr/>
             </a:pPr>
             <a:r>
-              <a:rPr lang="en-US" altLang="zh-CN" sz="1400" dirty="0"/>
+              <a:rPr lang="en-US" altLang="zh-CN" sz="1800" dirty="0"/>
               <a:t>}</a:t>
             </a:r>
           </a:p>
@@ -7599,8 +7623,8 @@
         </p:nvSpPr>
         <p:spPr>
           <a:xfrm>
-            <a:off x="5866321" y="4247273"/>
-            <a:ext cx="1947862" cy="584200"/>
+            <a:off x="6672064" y="4437112"/>
+            <a:ext cx="2016224" cy="923330"/>
           </a:xfrm>
           <a:prstGeom prst="rect">
             <a:avLst/>
@@ -7615,7 +7639,7 @@
           </a:ln>
         </p:spPr>
         <p:txBody>
-          <a:bodyPr>
+          <a:bodyPr wrap="square">
             <a:spAutoFit/>
           </a:bodyPr>
           <a:lstStyle/>
@@ -7624,37 +7648,57 @@
               <a:defRPr/>
             </a:pPr>
             <a:r>
-              <a:rPr lang="en-US" altLang="zh-CN" sz="1600" dirty="0">
+              <a:rPr lang="zh-CN" altLang="en-US" sz="1800" dirty="0" smtClean="0">
                 <a:solidFill>
                   <a:schemeClr val="tx1"/>
                 </a:solidFill>
-                <a:latin typeface="Arial" charset="0"/>
                 <a:ea typeface="宋体" pitchFamily="2" charset="-122"/>
               </a:rPr>
-              <a:t>Teacher display</a:t>
-            </a:r>
+              <a:t>输出结果：</a:t>
+            </a:r>
+            <a:endParaRPr lang="en-US" altLang="zh-CN" sz="1800" dirty="0" smtClean="0">
+              <a:solidFill>
+                <a:schemeClr val="tx1"/>
+              </a:solidFill>
+              <a:ea typeface="宋体" pitchFamily="2" charset="-122"/>
+            </a:endParaRPr>
           </a:p>
           <a:p>
             <a:pPr>
               <a:defRPr/>
             </a:pPr>
             <a:r>
-              <a:rPr lang="en-US" altLang="zh-CN" sz="1600" dirty="0">
+              <a:rPr lang="en-US" altLang="zh-CN" sz="1800" dirty="0" smtClean="0">
                 <a:solidFill>
                   <a:schemeClr val="tx1"/>
                 </a:solidFill>
-                <a:latin typeface="Arial" charset="0"/>
+                <a:ea typeface="宋体" pitchFamily="2" charset="-122"/>
+              </a:rPr>
+              <a:t>Teacher </a:t>
+            </a:r>
+            <a:r>
+              <a:rPr lang="en-US" altLang="zh-CN" sz="1800" dirty="0">
+                <a:solidFill>
+                  <a:schemeClr val="tx1"/>
+                </a:solidFill>
+                <a:ea typeface="宋体" pitchFamily="2" charset="-122"/>
+              </a:rPr>
+              <a:t>display</a:t>
+            </a:r>
+          </a:p>
+          <a:p>
+            <a:pPr>
+              <a:defRPr/>
+            </a:pPr>
+            <a:r>
+              <a:rPr lang="en-US" altLang="zh-CN" sz="1800" dirty="0">
+                <a:solidFill>
+                  <a:schemeClr val="tx1"/>
+                </a:solidFill>
                 <a:ea typeface="宋体" pitchFamily="2" charset="-122"/>
               </a:rPr>
               <a:t>Student display</a:t>
             </a:r>
-            <a:endParaRPr lang="en-US" altLang="zh-CN" dirty="0">
-              <a:solidFill>
-                <a:schemeClr val="tx1"/>
-              </a:solidFill>
-              <a:latin typeface="Arial" charset="0"/>
-              <a:ea typeface="宋体" pitchFamily="2" charset="-122"/>
-            </a:endParaRPr>
           </a:p>
         </p:txBody>
       </p:sp>
@@ -7668,8 +7712,8 @@
         </p:nvSpPr>
         <p:spPr bwMode="auto">
           <a:xfrm>
-            <a:off x="4788024" y="1055926"/>
-            <a:ext cx="4104456" cy="2304256"/>
+            <a:off x="6658272" y="1055926"/>
+            <a:ext cx="5270376" cy="2877130"/>
           </a:xfrm>
           <a:prstGeom prst="rect">
             <a:avLst/>
@@ -7836,7 +7880,7 @@
               <a:buNone/>
             </a:pPr>
             <a:r>
-              <a:rPr lang="en-US" altLang="zh-CN" sz="1600"/>
+              <a:rPr lang="en-US" altLang="zh-CN" sz="1800" dirty="0"/>
               <a:t>public class Test{</a:t>
             </a:r>
           </a:p>
@@ -7845,8 +7889,16 @@
               <a:buNone/>
             </a:pPr>
             <a:r>
-              <a:rPr lang="en-US" altLang="zh-CN" sz="1600"/>
-              <a:t>    public static void main(String[] args){</a:t>
+              <a:rPr lang="en-US" altLang="zh-CN" sz="1800" dirty="0"/>
+              <a:t>    public static void main(String[] </a:t>
+            </a:r>
+            <a:r>
+              <a:rPr lang="en-US" altLang="zh-CN" sz="1800" dirty="0" err="1"/>
+              <a:t>args</a:t>
+            </a:r>
+            <a:r>
+              <a:rPr lang="en-US" altLang="zh-CN" sz="1800" dirty="0"/>
+              <a:t>){</a:t>
             </a:r>
           </a:p>
           <a:p>
@@ -7854,7 +7906,7 @@
               <a:buNone/>
             </a:pPr>
             <a:r>
-              <a:rPr lang="en-US" altLang="zh-CN" sz="1600"/>
+              <a:rPr lang="en-US" altLang="zh-CN" sz="1800" dirty="0"/>
               <a:t>        Person p1 = new Teacher();</a:t>
             </a:r>
           </a:p>
@@ -7863,7 +7915,7 @@
               <a:buNone/>
             </a:pPr>
             <a:r>
-              <a:rPr lang="en-US" altLang="zh-CN" sz="1600"/>
+              <a:rPr lang="en-US" altLang="zh-CN" sz="1800" dirty="0"/>
               <a:t>        Person p2 = new Student();</a:t>
             </a:r>
           </a:p>
@@ -7872,7 +7924,7 @@
               <a:buNone/>
             </a:pPr>
             <a:r>
-              <a:rPr lang="en-US" altLang="zh-CN" sz="1600"/>
+              <a:rPr lang="en-US" altLang="zh-CN" sz="1800" dirty="0"/>
               <a:t>        p1.display();</a:t>
             </a:r>
           </a:p>
@@ -7881,7 +7933,7 @@
               <a:buNone/>
             </a:pPr>
             <a:r>
-              <a:rPr lang="en-US" altLang="zh-CN" sz="1600"/>
+              <a:rPr lang="en-US" altLang="zh-CN" sz="1800" dirty="0"/>
               <a:t>        p2.display();</a:t>
             </a:r>
           </a:p>
@@ -7890,7 +7942,7 @@
               <a:buNone/>
             </a:pPr>
             <a:r>
-              <a:rPr lang="en-US" altLang="zh-CN" sz="1600"/>
+              <a:rPr lang="en-US" altLang="zh-CN" sz="1800" dirty="0"/>
               <a:t>    }</a:t>
             </a:r>
           </a:p>
@@ -7899,10 +7951,9 @@
               <a:buNone/>
             </a:pPr>
             <a:r>
-              <a:rPr lang="en-US" altLang="zh-CN" sz="1600"/>
+              <a:rPr lang="en-US" altLang="zh-CN" sz="1800" dirty="0"/>
               <a:t>}</a:t>
             </a:r>
-            <a:endParaRPr lang="en-US" altLang="zh-CN" sz="1600" dirty="0"/>
           </a:p>
         </p:txBody>
       </p:sp>
@@ -8034,118 +8085,14 @@
                             </p:stCondLst>
                             <p:childTnLst>
                               <p:par>
-                                <p:cTn id="12" presetID="42" presetClass="entr" presetSubtype="0" fill="hold" grpId="0" nodeType="clickEffect" nodePh="1">
-                                  <p:stCondLst>
-                                    <p:cond delay="0"/>
-                                  </p:stCondLst>
-                                  <p:endCondLst>
-                                    <p:cond evt="begin" delay="0">
-                                      <p:tn val="12"/>
-                                    </p:cond>
-                                  </p:endCondLst>
-                                  <p:childTnLst>
-                                    <p:set>
-                                      <p:cBhvr>
-                                        <p:cTn id="13" dur="1" fill="hold">
-                                          <p:stCondLst>
-                                            <p:cond delay="0"/>
-                                          </p:stCondLst>
-                                        </p:cTn>
-                                        <p:tgtEl>
-                                          <p:spTgt spid="9"/>
-                                        </p:tgtEl>
-                                        <p:attrNameLst>
-                                          <p:attrName>style.visibility</p:attrName>
-                                        </p:attrNameLst>
-                                      </p:cBhvr>
-                                      <p:to>
-                                        <p:strVal val="visible"/>
-                                      </p:to>
-                                    </p:set>
-                                    <p:animEffect transition="in" filter="fade">
-                                      <p:cBhvr>
-                                        <p:cTn id="14" dur="1000"/>
-                                        <p:tgtEl>
-                                          <p:spTgt spid="9"/>
-                                        </p:tgtEl>
-                                      </p:cBhvr>
-                                    </p:animEffect>
-                                    <p:anim calcmode="lin" valueType="num">
-                                      <p:cBhvr>
-                                        <p:cTn id="15" dur="1000" fill="hold"/>
-                                        <p:tgtEl>
-                                          <p:spTgt spid="9"/>
-                                        </p:tgtEl>
-                                        <p:attrNameLst>
-                                          <p:attrName>ppt_x</p:attrName>
-                                        </p:attrNameLst>
-                                      </p:cBhvr>
-                                      <p:tavLst>
-                                        <p:tav tm="0">
-                                          <p:val>
-                                            <p:strVal val="#ppt_x"/>
-                                          </p:val>
-                                        </p:tav>
-                                        <p:tav tm="100000">
-                                          <p:val>
-                                            <p:strVal val="#ppt_x"/>
-                                          </p:val>
-                                        </p:tav>
-                                      </p:tavLst>
-                                    </p:anim>
-                                    <p:anim calcmode="lin" valueType="num">
-                                      <p:cBhvr>
-                                        <p:cTn id="16" dur="1000" fill="hold"/>
-                                        <p:tgtEl>
-                                          <p:spTgt spid="9"/>
-                                        </p:tgtEl>
-                                        <p:attrNameLst>
-                                          <p:attrName>ppt_y</p:attrName>
-                                        </p:attrNameLst>
-                                      </p:cBhvr>
-                                      <p:tavLst>
-                                        <p:tav tm="0">
-                                          <p:val>
-                                            <p:strVal val="#ppt_y+.1"/>
-                                          </p:val>
-                                        </p:tav>
-                                        <p:tav tm="100000">
-                                          <p:val>
-                                            <p:strVal val="#ppt_y"/>
-                                          </p:val>
-                                        </p:tav>
-                                      </p:tavLst>
-                                    </p:anim>
-                                  </p:childTnLst>
-                                </p:cTn>
-                              </p:par>
-                            </p:childTnLst>
-                          </p:cTn>
-                        </p:par>
-                      </p:childTnLst>
-                    </p:cTn>
-                  </p:par>
-                  <p:par>
-                    <p:cTn id="17" fill="hold" nodeType="clickPar">
-                      <p:stCondLst>
-                        <p:cond delay="indefinite"/>
-                      </p:stCondLst>
-                      <p:childTnLst>
-                        <p:par>
-                          <p:cTn id="18" fill="hold" nodeType="withGroup">
-                            <p:stCondLst>
-                              <p:cond delay="0"/>
-                            </p:stCondLst>
-                            <p:childTnLst>
-                              <p:par>
-                                <p:cTn id="19" presetID="42" presetClass="entr" presetSubtype="0" fill="hold" grpId="0" nodeType="clickEffect">
+                                <p:cTn id="12" presetID="42" presetClass="entr" presetSubtype="0" fill="hold" grpId="0" nodeType="clickEffect">
                                   <p:stCondLst>
                                     <p:cond delay="0"/>
                                   </p:stCondLst>
                                   <p:childTnLst>
                                     <p:set>
                                       <p:cBhvr>
-                                        <p:cTn id="20" dur="1" fill="hold">
+                                        <p:cTn id="13" dur="1" fill="hold">
                                           <p:stCondLst>
                                             <p:cond delay="0"/>
                                           </p:stCondLst>
@@ -8163,7 +8110,7 @@
                                     </p:set>
                                     <p:animEffect transition="in" filter="fade">
                                       <p:cBhvr>
-                                        <p:cTn id="21" dur="1000"/>
+                                        <p:cTn id="14" dur="1000"/>
                                         <p:tgtEl>
                                           <p:spTgt spid="3"/>
                                         </p:tgtEl>
@@ -8171,7 +8118,7 @@
                                     </p:animEffect>
                                     <p:anim calcmode="lin" valueType="num">
                                       <p:cBhvr>
-                                        <p:cTn id="22" dur="1000" fill="hold"/>
+                                        <p:cTn id="15" dur="1000" fill="hold"/>
                                         <p:tgtEl>
                                           <p:spTgt spid="3"/>
                                         </p:tgtEl>
@@ -8194,7 +8141,7 @@
                                     </p:anim>
                                     <p:anim calcmode="lin" valueType="num">
                                       <p:cBhvr>
-                                        <p:cTn id="23" dur="1000" fill="hold"/>
+                                        <p:cTn id="16" dur="1000" fill="hold"/>
                                         <p:tgtEl>
                                           <p:spTgt spid="3"/>
                                         </p:tgtEl>
@@ -8219,14 +8166,14 @@
                                 </p:cTn>
                               </p:par>
                               <p:par>
-                                <p:cTn id="24" presetID="42" presetClass="entr" presetSubtype="0" fill="hold" grpId="0" nodeType="withEffect">
+                                <p:cTn id="17" presetID="42" presetClass="entr" presetSubtype="0" fill="hold" grpId="0" nodeType="withEffect">
                                   <p:stCondLst>
                                     <p:cond delay="0"/>
                                   </p:stCondLst>
                                   <p:childTnLst>
                                     <p:set>
                                       <p:cBhvr>
-                                        <p:cTn id="25" dur="1" fill="hold">
+                                        <p:cTn id="18" dur="1" fill="hold">
                                           <p:stCondLst>
                                             <p:cond delay="0"/>
                                           </p:stCondLst>
@@ -8244,7 +8191,7 @@
                                     </p:set>
                                     <p:animEffect transition="in" filter="fade">
                                       <p:cBhvr>
-                                        <p:cTn id="26" dur="1000"/>
+                                        <p:cTn id="19" dur="1000"/>
                                         <p:tgtEl>
                                           <p:spTgt spid="8"/>
                                         </p:tgtEl>
@@ -8252,7 +8199,7 @@
                                     </p:animEffect>
                                     <p:anim calcmode="lin" valueType="num">
                                       <p:cBhvr>
-                                        <p:cTn id="27" dur="1000" fill="hold"/>
+                                        <p:cTn id="20" dur="1000" fill="hold"/>
                                         <p:tgtEl>
                                           <p:spTgt spid="8"/>
                                         </p:tgtEl>
@@ -8275,7 +8222,7 @@
                                     </p:anim>
                                     <p:anim calcmode="lin" valueType="num">
                                       <p:cBhvr>
-                                        <p:cTn id="28" dur="1000" fill="hold"/>
+                                        <p:cTn id="21" dur="1000" fill="hold"/>
                                         <p:tgtEl>
                                           <p:spTgt spid="8"/>
                                         </p:tgtEl>
@@ -8327,7 +8274,6 @@
       </p:par>
     </p:tnLst>
     <p:bldLst>
-      <p:bldP spid="9" grpId="0" animBg="1"/>
       <p:bldP spid="7" grpId="0" animBg="1"/>
       <p:bldP spid="3" grpId="0" animBg="1"/>
       <p:bldP spid="8" grpId="0" animBg="1"/>
@@ -8337,6 +8283,105 @@
 </file>
 
 <file path=ppt/slides/slide8.xml><?xml version="1.0" encoding="utf-8"?>
+<p:sld xmlns:a="http://schemas.openxmlformats.org/drawingml/2006/main" xmlns:r="http://schemas.openxmlformats.org/officeDocument/2006/relationships" xmlns:p="http://schemas.openxmlformats.org/presentationml/2006/main">
+  <p:cSld>
+    <p:spTree>
+      <p:nvGrpSpPr>
+        <p:cNvPr id="1" name=""/>
+        <p:cNvGrpSpPr/>
+        <p:nvPr/>
+      </p:nvGrpSpPr>
+      <p:grpSpPr>
+        <a:xfrm>
+          <a:off x="0" y="0"/>
+          <a:ext cx="0" cy="0"/>
+          <a:chOff x="0" y="0"/>
+          <a:chExt cx="0" cy="0"/>
+        </a:xfrm>
+      </p:grpSpPr>
+      <p:sp>
+        <p:nvSpPr>
+          <p:cNvPr id="2" name="标题 1"/>
+          <p:cNvSpPr>
+            <a:spLocks noGrp="1"/>
+          </p:cNvSpPr>
+          <p:nvPr>
+            <p:ph type="title"/>
+          </p:nvPr>
+        </p:nvSpPr>
+        <p:spPr/>
+        <p:txBody>
+          <a:bodyPr/>
+          <a:lstStyle/>
+          <a:p>
+            <a:r>
+              <a:rPr lang="zh-CN" altLang="en-US" dirty="0" smtClean="0"/>
+              <a:t>多态的编程应用</a:t>
+            </a:r>
+            <a:endParaRPr lang="zh-CN" altLang="en-US" dirty="0"/>
+          </a:p>
+        </p:txBody>
+      </p:sp>
+      <p:sp>
+        <p:nvSpPr>
+          <p:cNvPr id="3" name="内容占位符 2"/>
+          <p:cNvSpPr>
+            <a:spLocks noGrp="1"/>
+          </p:cNvSpPr>
+          <p:nvPr>
+            <p:ph idx="1"/>
+          </p:nvPr>
+        </p:nvSpPr>
+        <p:spPr/>
+        <p:txBody>
+          <a:bodyPr/>
+          <a:lstStyle/>
+          <a:p>
+            <a:pPr>
+              <a:lnSpc>
+                <a:spcPct val="150000"/>
+              </a:lnSpc>
+            </a:pPr>
+            <a:r>
+              <a:rPr lang="zh-CN" altLang="en-US" dirty="0" smtClean="0"/>
+              <a:t>增强代码的可维护性和可扩展性</a:t>
+            </a:r>
+            <a:endParaRPr lang="en-US" altLang="zh-CN" dirty="0" smtClean="0"/>
+          </a:p>
+          <a:p>
+            <a:pPr lvl="1">
+              <a:lnSpc>
+                <a:spcPct val="150000"/>
+              </a:lnSpc>
+            </a:pPr>
+            <a:r>
+              <a:rPr lang="zh-CN" altLang="en-US" dirty="0" smtClean="0"/>
+              <a:t>示例：人饲养动物</a:t>
+            </a:r>
+          </a:p>
+        </p:txBody>
+      </p:sp>
+    </p:spTree>
+    <p:extLst>
+      <p:ext uri="{BB962C8B-B14F-4D97-AF65-F5344CB8AC3E}">
+        <p14:creationId xmlns:p14="http://schemas.microsoft.com/office/powerpoint/2010/main" val="1621816027"/>
+      </p:ext>
+    </p:extLst>
+  </p:cSld>
+  <p:clrMapOvr>
+    <a:masterClrMapping/>
+  </p:clrMapOvr>
+  <p:timing>
+    <p:tnLst>
+      <p:par>
+        <p:cTn id="1" dur="indefinite" restart="never" nodeType="tmRoot"/>
+      </p:par>
+    </p:tnLst>
+  </p:timing>
+</p:sld>
+</file>
+
+<file path=ppt/slides/slide9.xml><?xml version="1.0" encoding="utf-8"?>
 <p:sld xmlns:a="http://schemas.openxmlformats.org/drawingml/2006/main" xmlns:r="http://schemas.openxmlformats.org/officeDocument/2006/relationships" xmlns:p="http://schemas.openxmlformats.org/presentationml/2006/main">
   <p:cSld>
     <p:spTree>
@@ -8370,13 +8415,8 @@
           <a:p>
             <a:r>
               <a:rPr lang="zh-CN" altLang="en-US" dirty="0" smtClean="0"/>
-              <a:t>多态</a:t>
-            </a:r>
-            <a:r>
-              <a:rPr lang="zh-CN" altLang="en-US" dirty="0" smtClean="0"/>
-              <a:t>的总结</a:t>
-            </a:r>
-            <a:endParaRPr lang="zh-CN" altLang="en-US" dirty="0" smtClean="0"/>
+              <a:t>多态的总结</a:t>
+            </a:r>
           </a:p>
         </p:txBody>
       </p:sp>
@@ -8537,6 +8577,11 @@
             </a:lvl9pPr>
           </a:lstStyle>
           <a:p>
+            <a:pPr>
+              <a:lnSpc>
+                <a:spcPct val="150000"/>
+              </a:lnSpc>
+            </a:pPr>
             <a:r>
               <a:rPr lang="zh-CN" altLang="en-US" dirty="0" smtClean="0"/>
               <a:t>多态的实现</a:t>
@@ -8544,7 +8589,11 @@
             <a:endParaRPr lang="en-US" altLang="zh-CN" dirty="0" smtClean="0"/>
           </a:p>
           <a:p>
-            <a:pPr lvl="1"/>
+            <a:pPr lvl="1">
+              <a:lnSpc>
+                <a:spcPct val="150000"/>
+              </a:lnSpc>
+            </a:pPr>
             <a:r>
               <a:rPr lang="zh-CN" altLang="en-US" dirty="0" smtClean="0"/>
               <a:t>方法重写 </a:t>
@@ -8555,7 +8604,7 @@
             </a:r>
             <a:r>
               <a:rPr lang="zh-CN" altLang="en-US" dirty="0" smtClean="0"/>
-              <a:t>类的向上转型</a:t>
+              <a:t>向上转型</a:t>
             </a:r>
             <a:r>
               <a:rPr lang="en-US" altLang="zh-CN" dirty="0" smtClean="0"/>
@@ -8568,14 +8617,18 @@
             <a:endParaRPr lang="en-US" altLang="zh-CN" dirty="0" smtClean="0"/>
           </a:p>
           <a:p>
-            <a:pPr lvl="1"/>
+            <a:pPr lvl="1">
+              <a:lnSpc>
+                <a:spcPct val="150000"/>
+              </a:lnSpc>
+            </a:pPr>
             <a:r>
               <a:rPr lang="zh-CN" altLang="en-US" dirty="0" smtClean="0"/>
               <a:t>方法重载</a:t>
             </a:r>
             <a:r>
               <a:rPr lang="en-US" altLang="zh-CN" dirty="0" smtClean="0"/>
-              <a:t>	                                </a:t>
+              <a:t>	                          </a:t>
             </a:r>
             <a:r>
               <a:rPr lang="zh-CN" altLang="en-US" dirty="0" smtClean="0"/>
@@ -8584,6 +8637,11 @@
             <a:endParaRPr lang="en-US" altLang="zh-CN" dirty="0" smtClean="0"/>
           </a:p>
           <a:p>
+            <a:pPr>
+              <a:lnSpc>
+                <a:spcPct val="150000"/>
+              </a:lnSpc>
+            </a:pPr>
             <a:r>
               <a:rPr lang="zh-CN" altLang="en-US" dirty="0"/>
               <a:t>向上</a:t>
@@ -8595,28 +8653,41 @@
             <a:endParaRPr lang="en-US" altLang="zh-CN" dirty="0" smtClean="0"/>
           </a:p>
           <a:p>
-            <a:pPr lvl="1"/>
+            <a:pPr lvl="1">
+              <a:lnSpc>
+                <a:spcPct val="150000"/>
+              </a:lnSpc>
+            </a:pPr>
             <a:r>
               <a:rPr lang="zh-CN" altLang="en-US" dirty="0"/>
-              <a:t>基</a:t>
+              <a:t>父</a:t>
             </a:r>
             <a:r>
               <a:rPr lang="zh-CN" altLang="en-US" dirty="0" smtClean="0"/>
-              <a:t>类的引用指向派生类的对象</a:t>
+              <a:t>类的引用指向子类的对象</a:t>
             </a:r>
             <a:endParaRPr lang="en-US" altLang="zh-CN" dirty="0" smtClean="0"/>
           </a:p>
           <a:p>
-            <a:pPr lvl="1"/>
+            <a:pPr lvl="1">
+              <a:lnSpc>
+                <a:spcPct val="150000"/>
+              </a:lnSpc>
+            </a:pPr>
             <a:r>
               <a:rPr lang="zh-CN" altLang="en-US" dirty="0" smtClean="0"/>
-              <a:t>提取基类与派生类的共性</a:t>
+              <a:t>提取父类与子类的共性</a:t>
             </a:r>
             <a:endParaRPr lang="en-US" altLang="zh-CN" dirty="0" smtClean="0"/>
           </a:p>
           <a:p>
-            <a:r>
-              <a:rPr lang="zh-CN" altLang="en-US" smtClean="0"/>
+            <a:pPr>
+              <a:lnSpc>
+                <a:spcPct val="150000"/>
+              </a:lnSpc>
+            </a:pPr>
+            <a:r>
+              <a:rPr lang="zh-CN" altLang="en-US" dirty="0" smtClean="0"/>
               <a:t>向下转型  （一般不允许）</a:t>
             </a:r>
             <a:endParaRPr lang="en-US" altLang="zh-CN" dirty="0"/>
@@ -8764,99 +8835,6 @@
     <p:bldLst>
       <p:bldP spid="9" grpId="0" animBg="1"/>
     </p:bldLst>
-  </p:timing>
-</p:sld>
-</file>
-
-<file path=ppt/slides/slide9.xml><?xml version="1.0" encoding="utf-8"?>
-<p:sld xmlns:a="http://schemas.openxmlformats.org/drawingml/2006/main" xmlns:r="http://schemas.openxmlformats.org/officeDocument/2006/relationships" xmlns:p="http://schemas.openxmlformats.org/presentationml/2006/main">
-  <p:cSld>
-    <p:spTree>
-      <p:nvGrpSpPr>
-        <p:cNvPr id="1" name=""/>
-        <p:cNvGrpSpPr/>
-        <p:nvPr/>
-      </p:nvGrpSpPr>
-      <p:grpSpPr>
-        <a:xfrm>
-          <a:off x="0" y="0"/>
-          <a:ext cx="0" cy="0"/>
-          <a:chOff x="0" y="0"/>
-          <a:chExt cx="0" cy="0"/>
-        </a:xfrm>
-      </p:grpSpPr>
-      <p:sp>
-        <p:nvSpPr>
-          <p:cNvPr id="7170" name="标题 1"/>
-          <p:cNvSpPr>
-            <a:spLocks noGrp="1"/>
-          </p:cNvSpPr>
-          <p:nvPr>
-            <p:ph type="title"/>
-          </p:nvPr>
-        </p:nvSpPr>
-        <p:spPr/>
-        <p:txBody>
-          <a:bodyPr/>
-          <a:lstStyle/>
-          <a:p>
-            <a:r>
-              <a:rPr lang="zh-CN" altLang="en-US" smtClean="0"/>
-              <a:t>总结　　　　　　　　　</a:t>
-            </a:r>
-            <a:endParaRPr lang="zh-CN" altLang="en-US" dirty="0" smtClean="0"/>
-          </a:p>
-        </p:txBody>
-      </p:sp>
-      <p:sp>
-        <p:nvSpPr>
-          <p:cNvPr id="7171" name="内容占位符 2"/>
-          <p:cNvSpPr>
-            <a:spLocks noGrp="1"/>
-          </p:cNvSpPr>
-          <p:nvPr>
-            <p:ph idx="1"/>
-          </p:nvPr>
-        </p:nvSpPr>
-        <p:spPr/>
-        <p:txBody>
-          <a:bodyPr/>
-          <a:lstStyle/>
-          <a:p>
-            <a:r>
-              <a:rPr lang="zh-CN" altLang="en-US" smtClean="0"/>
-              <a:t>多态的概念</a:t>
-            </a:r>
-            <a:endParaRPr lang="en-US" altLang="zh-CN" smtClean="0"/>
-          </a:p>
-          <a:p>
-            <a:r>
-              <a:rPr lang="zh-CN" altLang="en-US" smtClean="0"/>
-              <a:t>多态的实现</a:t>
-            </a:r>
-            <a:endParaRPr lang="en-US" altLang="zh-CN" smtClean="0"/>
-          </a:p>
-          <a:p>
-            <a:endParaRPr lang="en-US" altLang="zh-CN" dirty="0" smtClean="0"/>
-          </a:p>
-        </p:txBody>
-      </p:sp>
-    </p:spTree>
-    <p:extLst>
-      <p:ext uri="{BB962C8B-B14F-4D97-AF65-F5344CB8AC3E}">
-        <p14:creationId xmlns:p14="http://schemas.microsoft.com/office/powerpoint/2010/main" val="3654594802"/>
-      </p:ext>
-    </p:extLst>
-  </p:cSld>
-  <p:clrMapOvr>
-    <a:masterClrMapping/>
-  </p:clrMapOvr>
-  <p:timing>
-    <p:tnLst>
-      <p:par>
-        <p:cTn id="1" dur="indefinite" restart="never" nodeType="tmRoot"/>
-      </p:par>
-    </p:tnLst>
   </p:timing>
 </p:sld>
 </file>

--- a/ch07/第7章 多态.pptx
+++ b/ch07/第7章 多态.pptx
@@ -1054,7 +1054,7 @@
           <a:bodyPr/>
           <a:lstStyle/>
           <a:p>
-            <a:endParaRPr lang="zh-CN" altLang="en-US" dirty="0" smtClean="0">
+            <a:endParaRPr lang="zh-CN" altLang="en-US" smtClean="0">
               <a:latin typeface="Arial" pitchFamily="34" charset="0"/>
             </a:endParaRPr>
           </a:p>
@@ -4697,8 +4697,8 @@
         </p:nvSpPr>
         <p:spPr>
           <a:xfrm>
-            <a:off x="4799856" y="1160749"/>
-            <a:ext cx="2952328" cy="4965415"/>
+            <a:off x="609600" y="1160749"/>
+            <a:ext cx="7142584" cy="4965415"/>
           </a:xfrm>
         </p:spPr>
         <p:txBody>
@@ -6674,15 +6674,7 @@
             </a:r>
             <a:r>
               <a:rPr lang="zh-CN" altLang="en-US" dirty="0" smtClean="0"/>
-              <a:t>这个对象引用实际的类型来获取对应的方法。所以才有多态性。一</a:t>
-            </a:r>
-            <a:r>
-              <a:rPr lang="zh-CN" altLang="en-US" dirty="0" smtClean="0"/>
-              <a:t>个父类</a:t>
-            </a:r>
-            <a:r>
-              <a:rPr lang="zh-CN" altLang="en-US" dirty="0" smtClean="0"/>
-              <a:t>的对象引用，被赋予不同的子类对象引用，执行该方法时，将表现出不同的行为。</a:t>
+              <a:t>这个对象引用实际的类型来获取对应的方法。所以才有多态性。一个基类的对象引用，被赋予不同的子类对象引用，执行该方法时，将表现出不同的行为。</a:t>
             </a:r>
             <a:endParaRPr lang="en-US" altLang="zh-CN" dirty="0" smtClean="0"/>
           </a:p>
